--- a/make_presentation/templates/templates/classic/_46.pptx
+++ b/make_presentation/templates/templates/classic/_46.pptx
@@ -337,7 +337,7 @@
             <a:pPr algn="r">
               <a:buNone/>
             </a:pPr>
-            <a:fld id="{FBF48585-A941-46DE-8E27-7B2C6F5D5FCE}" type="slidenum">
+            <a:fld id="{FED606E3-5E52-4B7F-9EA5-19059E60E266}" type="slidenum">
               <a:rPr b="0" lang="en-US" sz="1400" spc="-1" strike="noStrike">
                 <a:latin typeface="Times New Roman"/>
               </a:rPr>
@@ -385,7 +385,7 @@
         <p:spPr>
           <a:xfrm>
             <a:off x="380880" y="685800"/>
-            <a:ext cx="6090840" cy="3423960"/>
+            <a:ext cx="6090480" cy="3423600"/>
           </a:xfrm>
           <a:prstGeom prst="rect">
             <a:avLst/>
@@ -408,7 +408,7 @@
         <p:spPr>
           <a:xfrm>
             <a:off x="685800" y="4343400"/>
-            <a:ext cx="5481360" cy="4109760"/>
+            <a:ext cx="5481000" cy="4109400"/>
           </a:xfrm>
           <a:prstGeom prst="rect">
             <a:avLst/>
@@ -442,7 +442,7 @@
         <p:spPr>
           <a:xfrm>
             <a:off x="3884760" y="8685360"/>
-            <a:ext cx="2966760" cy="452160"/>
+            <a:ext cx="2966400" cy="451800"/>
           </a:xfrm>
           <a:prstGeom prst="rect">
             <a:avLst/>
@@ -478,7 +478,7 @@
               </a:lnSpc>
               <a:buNone/>
             </a:pPr>
-            <a:fld id="{66665C77-E851-42CC-A4DF-83665F82D7B2}" type="slidenum">
+            <a:fld id="{7DDB4DEE-CC0E-4B0C-AA75-9F5011967232}" type="slidenum">
               <a:rPr b="0" lang="en-US" sz="1200" spc="-1" strike="noStrike">
                 <a:solidFill>
                   <a:srgbClr val="000000"/>
@@ -529,7 +529,7 @@
         <p:spPr>
           <a:xfrm>
             <a:off x="380880" y="685800"/>
-            <a:ext cx="6090840" cy="3423960"/>
+            <a:ext cx="6090480" cy="3423600"/>
           </a:xfrm>
           <a:prstGeom prst="rect">
             <a:avLst/>
@@ -552,7 +552,7 @@
         <p:spPr>
           <a:xfrm>
             <a:off x="685800" y="4343400"/>
-            <a:ext cx="5481360" cy="4109760"/>
+            <a:ext cx="5481000" cy="4109400"/>
           </a:xfrm>
           <a:prstGeom prst="rect">
             <a:avLst/>
@@ -586,7 +586,7 @@
         <p:spPr>
           <a:xfrm>
             <a:off x="3884760" y="8685360"/>
-            <a:ext cx="2966760" cy="452160"/>
+            <a:ext cx="2966400" cy="451800"/>
           </a:xfrm>
           <a:prstGeom prst="rect">
             <a:avLst/>
@@ -622,7 +622,7 @@
               </a:lnSpc>
               <a:buNone/>
             </a:pPr>
-            <a:fld id="{4C12764B-6C85-4230-ABBE-E04ED383709E}" type="slidenum">
+            <a:fld id="{F99189F3-35F1-438F-99FB-F03F39279371}" type="slidenum">
               <a:rPr b="0" lang="en-US" sz="1200" spc="-1" strike="noStrike">
                 <a:solidFill>
                   <a:srgbClr val="000000"/>
@@ -673,7 +673,7 @@
         <p:spPr>
           <a:xfrm>
             <a:off x="380880" y="685800"/>
-            <a:ext cx="6090840" cy="3423960"/>
+            <a:ext cx="6090480" cy="3423600"/>
           </a:xfrm>
           <a:prstGeom prst="rect">
             <a:avLst/>
@@ -696,7 +696,7 @@
         <p:spPr>
           <a:xfrm>
             <a:off x="685800" y="4343400"/>
-            <a:ext cx="5481360" cy="4109760"/>
+            <a:ext cx="5481000" cy="4109400"/>
           </a:xfrm>
           <a:prstGeom prst="rect">
             <a:avLst/>
@@ -730,7 +730,7 @@
         <p:spPr>
           <a:xfrm>
             <a:off x="3884760" y="8685360"/>
-            <a:ext cx="2966760" cy="452160"/>
+            <a:ext cx="2966400" cy="451800"/>
           </a:xfrm>
           <a:prstGeom prst="rect">
             <a:avLst/>
@@ -766,7 +766,7 @@
               </a:lnSpc>
               <a:buNone/>
             </a:pPr>
-            <a:fld id="{DBFBAF10-5CEF-4EB7-B5DD-DD9E788FE6E9}" type="slidenum">
+            <a:fld id="{C3E25296-AB85-467F-AD42-3D79363EA5CF}" type="slidenum">
               <a:rPr b="0" lang="en-US" sz="1200" spc="-1" strike="noStrike">
                 <a:solidFill>
                   <a:srgbClr val="000000"/>
@@ -817,7 +817,7 @@
         <p:spPr>
           <a:xfrm>
             <a:off x="380880" y="685800"/>
-            <a:ext cx="6090840" cy="3423960"/>
+            <a:ext cx="6090480" cy="3423600"/>
           </a:xfrm>
           <a:prstGeom prst="rect">
             <a:avLst/>
@@ -840,7 +840,7 @@
         <p:spPr>
           <a:xfrm>
             <a:off x="685800" y="4343400"/>
-            <a:ext cx="5481360" cy="4109760"/>
+            <a:ext cx="5481000" cy="4109400"/>
           </a:xfrm>
           <a:prstGeom prst="rect">
             <a:avLst/>
@@ -874,7 +874,7 @@
         <p:spPr>
           <a:xfrm>
             <a:off x="3884760" y="8685360"/>
-            <a:ext cx="2966760" cy="452160"/>
+            <a:ext cx="2966400" cy="451800"/>
           </a:xfrm>
           <a:prstGeom prst="rect">
             <a:avLst/>
@@ -910,7 +910,7 @@
               </a:lnSpc>
               <a:buNone/>
             </a:pPr>
-            <a:fld id="{C12CF24F-3343-4305-AEE6-ECEC6964B365}" type="slidenum">
+            <a:fld id="{E5077AA7-AE3E-4881-8103-C9839C4459BB}" type="slidenum">
               <a:rPr b="0" lang="en-US" sz="1200" spc="-1" strike="noStrike">
                 <a:solidFill>
                   <a:srgbClr val="000000"/>
@@ -961,7 +961,7 @@
         <p:spPr>
           <a:xfrm>
             <a:off x="380880" y="685800"/>
-            <a:ext cx="6090840" cy="3423960"/>
+            <a:ext cx="6090480" cy="3423600"/>
           </a:xfrm>
           <a:prstGeom prst="rect">
             <a:avLst/>
@@ -984,7 +984,7 @@
         <p:spPr>
           <a:xfrm>
             <a:off x="685800" y="4343400"/>
-            <a:ext cx="5481360" cy="4109760"/>
+            <a:ext cx="5481000" cy="4109400"/>
           </a:xfrm>
           <a:prstGeom prst="rect">
             <a:avLst/>
@@ -1018,7 +1018,7 @@
         <p:spPr>
           <a:xfrm>
             <a:off x="3884760" y="8685360"/>
-            <a:ext cx="2966760" cy="452160"/>
+            <a:ext cx="2966400" cy="451800"/>
           </a:xfrm>
           <a:prstGeom prst="rect">
             <a:avLst/>
@@ -1054,7 +1054,7 @@
               </a:lnSpc>
               <a:buNone/>
             </a:pPr>
-            <a:fld id="{F151D374-C52C-40E4-8DE8-0326CD081617}" type="slidenum">
+            <a:fld id="{87EA0AA6-0BBB-4E52-9A1A-FCD68D450A3C}" type="slidenum">
               <a:rPr b="0" lang="en-US" sz="1200" spc="-1" strike="noStrike">
                 <a:solidFill>
                   <a:srgbClr val="000000"/>
@@ -1105,7 +1105,7 @@
         <p:spPr>
           <a:xfrm>
             <a:off x="380880" y="685800"/>
-            <a:ext cx="6090840" cy="3423960"/>
+            <a:ext cx="6090480" cy="3423600"/>
           </a:xfrm>
           <a:prstGeom prst="rect">
             <a:avLst/>
@@ -1128,7 +1128,7 @@
         <p:spPr>
           <a:xfrm>
             <a:off x="685800" y="4343400"/>
-            <a:ext cx="5481360" cy="4109760"/>
+            <a:ext cx="5481000" cy="4109400"/>
           </a:xfrm>
           <a:prstGeom prst="rect">
             <a:avLst/>
@@ -1162,7 +1162,7 @@
         <p:spPr>
           <a:xfrm>
             <a:off x="3884760" y="8685360"/>
-            <a:ext cx="2966760" cy="452160"/>
+            <a:ext cx="2966400" cy="451800"/>
           </a:xfrm>
           <a:prstGeom prst="rect">
             <a:avLst/>
@@ -1198,7 +1198,7 @@
               </a:lnSpc>
               <a:buNone/>
             </a:pPr>
-            <a:fld id="{4DF2DDE1-96FD-4F6B-9071-878BCCED8B51}" type="slidenum">
+            <a:fld id="{D5A57FDB-0CF9-4266-9446-78285EE09D3E}" type="slidenum">
               <a:rPr b="0" lang="en-US" sz="1200" spc="-1" strike="noStrike">
                 <a:solidFill>
                   <a:srgbClr val="000000"/>
@@ -1249,7 +1249,7 @@
         <p:spPr>
           <a:xfrm>
             <a:off x="380880" y="685800"/>
-            <a:ext cx="6090840" cy="3423960"/>
+            <a:ext cx="6090480" cy="3423600"/>
           </a:xfrm>
           <a:prstGeom prst="rect">
             <a:avLst/>
@@ -1272,7 +1272,7 @@
         <p:spPr>
           <a:xfrm>
             <a:off x="685800" y="4343400"/>
-            <a:ext cx="5481360" cy="4109760"/>
+            <a:ext cx="5481000" cy="4109400"/>
           </a:xfrm>
           <a:prstGeom prst="rect">
             <a:avLst/>
@@ -1306,7 +1306,7 @@
         <p:spPr>
           <a:xfrm>
             <a:off x="3884760" y="8685360"/>
-            <a:ext cx="2966760" cy="452160"/>
+            <a:ext cx="2966400" cy="451800"/>
           </a:xfrm>
           <a:prstGeom prst="rect">
             <a:avLst/>
@@ -1342,7 +1342,7 @@
               </a:lnSpc>
               <a:buNone/>
             </a:pPr>
-            <a:fld id="{531F7877-360B-41F3-B5F4-DD3FF0F78527}" type="slidenum">
+            <a:fld id="{2ABFEBA9-4229-415D-AF1F-4EB322CD4623}" type="slidenum">
               <a:rPr b="0" lang="en-US" sz="1200" spc="-1" strike="noStrike">
                 <a:solidFill>
                   <a:srgbClr val="000000"/>
@@ -1393,7 +1393,7 @@
         <p:spPr>
           <a:xfrm>
             <a:off x="380880" y="685800"/>
-            <a:ext cx="6090840" cy="3423960"/>
+            <a:ext cx="6090480" cy="3423600"/>
           </a:xfrm>
           <a:prstGeom prst="rect">
             <a:avLst/>
@@ -1416,7 +1416,7 @@
         <p:spPr>
           <a:xfrm>
             <a:off x="685800" y="4343400"/>
-            <a:ext cx="5481360" cy="4109760"/>
+            <a:ext cx="5481000" cy="4109400"/>
           </a:xfrm>
           <a:prstGeom prst="rect">
             <a:avLst/>
@@ -1450,7 +1450,7 @@
         <p:spPr>
           <a:xfrm>
             <a:off x="3884760" y="8685360"/>
-            <a:ext cx="2966760" cy="452160"/>
+            <a:ext cx="2966400" cy="451800"/>
           </a:xfrm>
           <a:prstGeom prst="rect">
             <a:avLst/>
@@ -1486,7 +1486,7 @@
               </a:lnSpc>
               <a:buNone/>
             </a:pPr>
-            <a:fld id="{FCFB41FB-21C7-4FEA-847B-0D0E1D24972B}" type="slidenum">
+            <a:fld id="{43F2FAE3-4FD1-43DF-B599-B04567E7C711}" type="slidenum">
               <a:rPr b="0" lang="en-US" sz="1200" spc="-1" strike="noStrike">
                 <a:solidFill>
                   <a:srgbClr val="000000"/>
@@ -1537,7 +1537,7 @@
         <p:spPr>
           <a:xfrm>
             <a:off x="380880" y="685800"/>
-            <a:ext cx="6090840" cy="3423960"/>
+            <a:ext cx="6090480" cy="3423600"/>
           </a:xfrm>
           <a:prstGeom prst="rect">
             <a:avLst/>
@@ -1560,7 +1560,7 @@
         <p:spPr>
           <a:xfrm>
             <a:off x="685800" y="4343400"/>
-            <a:ext cx="5481360" cy="4109760"/>
+            <a:ext cx="5481000" cy="4109400"/>
           </a:xfrm>
           <a:prstGeom prst="rect">
             <a:avLst/>
@@ -1594,7 +1594,7 @@
         <p:spPr>
           <a:xfrm>
             <a:off x="3884760" y="8685360"/>
-            <a:ext cx="2966760" cy="452160"/>
+            <a:ext cx="2966400" cy="451800"/>
           </a:xfrm>
           <a:prstGeom prst="rect">
             <a:avLst/>
@@ -1630,7 +1630,7 @@
               </a:lnSpc>
               <a:buNone/>
             </a:pPr>
-            <a:fld id="{FEC73EA2-48C1-43AA-8164-9E5361F27CB2}" type="slidenum">
+            <a:fld id="{0022A6CB-A8CF-47A8-AC5C-87DDCE3AC93C}" type="slidenum">
               <a:rPr b="0" lang="en-US" sz="1200" spc="-1" strike="noStrike">
                 <a:solidFill>
                   <a:srgbClr val="000000"/>
@@ -1681,7 +1681,7 @@
         <p:spPr>
           <a:xfrm>
             <a:off x="380880" y="685800"/>
-            <a:ext cx="6090840" cy="3423960"/>
+            <a:ext cx="6090480" cy="3423600"/>
           </a:xfrm>
           <a:prstGeom prst="rect">
             <a:avLst/>
@@ -1704,7 +1704,7 @@
         <p:spPr>
           <a:xfrm>
             <a:off x="685800" y="4343400"/>
-            <a:ext cx="5481360" cy="4109760"/>
+            <a:ext cx="5481000" cy="4109400"/>
           </a:xfrm>
           <a:prstGeom prst="rect">
             <a:avLst/>
@@ -1738,7 +1738,7 @@
         <p:spPr>
           <a:xfrm>
             <a:off x="3884760" y="8685360"/>
-            <a:ext cx="2966760" cy="452160"/>
+            <a:ext cx="2966400" cy="451800"/>
           </a:xfrm>
           <a:prstGeom prst="rect">
             <a:avLst/>
@@ -1774,7 +1774,7 @@
               </a:lnSpc>
               <a:buNone/>
             </a:pPr>
-            <a:fld id="{11D45E8D-7C21-45ED-8847-2F75E5453DAD}" type="slidenum">
+            <a:fld id="{A9530D17-B4F4-4106-9DBF-8F3B6BA88AD6}" type="slidenum">
               <a:rPr b="0" lang="en-US" sz="1200" spc="-1" strike="noStrike">
                 <a:solidFill>
                   <a:srgbClr val="000000"/>
@@ -1825,7 +1825,7 @@
         <p:spPr>
           <a:xfrm>
             <a:off x="380880" y="685800"/>
-            <a:ext cx="6090840" cy="3423960"/>
+            <a:ext cx="6090480" cy="3423600"/>
           </a:xfrm>
           <a:prstGeom prst="rect">
             <a:avLst/>
@@ -1848,7 +1848,7 @@
         <p:spPr>
           <a:xfrm>
             <a:off x="685800" y="4343400"/>
-            <a:ext cx="5481360" cy="4109760"/>
+            <a:ext cx="5481000" cy="4109400"/>
           </a:xfrm>
           <a:prstGeom prst="rect">
             <a:avLst/>
@@ -1882,7 +1882,7 @@
         <p:spPr>
           <a:xfrm>
             <a:off x="3884760" y="8685360"/>
-            <a:ext cx="2966760" cy="452160"/>
+            <a:ext cx="2966400" cy="451800"/>
           </a:xfrm>
           <a:prstGeom prst="rect">
             <a:avLst/>
@@ -1918,7 +1918,7 @@
               </a:lnSpc>
               <a:buNone/>
             </a:pPr>
-            <a:fld id="{527268B7-109C-4110-B144-1D15EDCD09B0}" type="slidenum">
+            <a:fld id="{79231473-A9A9-4B13-A0C1-38AC70DE3A4C}" type="slidenum">
               <a:rPr b="0" lang="en-US" sz="1200" spc="-1" strike="noStrike">
                 <a:solidFill>
                   <a:srgbClr val="000000"/>
@@ -1969,7 +1969,7 @@
         <p:spPr>
           <a:xfrm>
             <a:off x="380880" y="685800"/>
-            <a:ext cx="6090840" cy="3423960"/>
+            <a:ext cx="6090480" cy="3423600"/>
           </a:xfrm>
           <a:prstGeom prst="rect">
             <a:avLst/>
@@ -1992,7 +1992,7 @@
         <p:spPr>
           <a:xfrm>
             <a:off x="685800" y="4343400"/>
-            <a:ext cx="5481360" cy="4109760"/>
+            <a:ext cx="5481000" cy="4109400"/>
           </a:xfrm>
           <a:prstGeom prst="rect">
             <a:avLst/>
@@ -2026,7 +2026,7 @@
         <p:spPr>
           <a:xfrm>
             <a:off x="3884760" y="8685360"/>
-            <a:ext cx="2966760" cy="452160"/>
+            <a:ext cx="2966400" cy="451800"/>
           </a:xfrm>
           <a:prstGeom prst="rect">
             <a:avLst/>
@@ -2062,7 +2062,7 @@
               </a:lnSpc>
               <a:buNone/>
             </a:pPr>
-            <a:fld id="{9EE67A2E-3019-4B37-BDA8-50E6A1161E78}" type="slidenum">
+            <a:fld id="{6EE964DD-FBC7-452C-A78C-D9B630368E56}" type="slidenum">
               <a:rPr b="0" lang="en-US" sz="1200" spc="-1" strike="noStrike">
                 <a:solidFill>
                   <a:srgbClr val="000000"/>
@@ -2113,7 +2113,7 @@
         <p:spPr>
           <a:xfrm>
             <a:off x="380880" y="685800"/>
-            <a:ext cx="6090840" cy="3423960"/>
+            <a:ext cx="6090480" cy="3423600"/>
           </a:xfrm>
           <a:prstGeom prst="rect">
             <a:avLst/>
@@ -2136,7 +2136,7 @@
         <p:spPr>
           <a:xfrm>
             <a:off x="685800" y="4343400"/>
-            <a:ext cx="5481360" cy="4109760"/>
+            <a:ext cx="5481000" cy="4109400"/>
           </a:xfrm>
           <a:prstGeom prst="rect">
             <a:avLst/>
@@ -2170,7 +2170,7 @@
         <p:spPr>
           <a:xfrm>
             <a:off x="3884760" y="8685360"/>
-            <a:ext cx="2966760" cy="452160"/>
+            <a:ext cx="2966400" cy="451800"/>
           </a:xfrm>
           <a:prstGeom prst="rect">
             <a:avLst/>
@@ -2206,7 +2206,7 @@
               </a:lnSpc>
               <a:buNone/>
             </a:pPr>
-            <a:fld id="{0252F8AE-8753-449A-8E04-4BE2C86C78F5}" type="slidenum">
+            <a:fld id="{96450F12-41F7-4DE2-A01F-35BA1BA450E3}" type="slidenum">
               <a:rPr b="0" lang="en-US" sz="1200" spc="-1" strike="noStrike">
                 <a:solidFill>
                   <a:srgbClr val="000000"/>
@@ -2257,7 +2257,7 @@
         <p:spPr>
           <a:xfrm>
             <a:off x="380880" y="685800"/>
-            <a:ext cx="6090840" cy="3423960"/>
+            <a:ext cx="6090480" cy="3423600"/>
           </a:xfrm>
           <a:prstGeom prst="rect">
             <a:avLst/>
@@ -2280,7 +2280,7 @@
         <p:spPr>
           <a:xfrm>
             <a:off x="685800" y="4343400"/>
-            <a:ext cx="5481360" cy="4109760"/>
+            <a:ext cx="5481000" cy="4109400"/>
           </a:xfrm>
           <a:prstGeom prst="rect">
             <a:avLst/>
@@ -2314,7 +2314,7 @@
         <p:spPr>
           <a:xfrm>
             <a:off x="3884760" y="8685360"/>
-            <a:ext cx="2966760" cy="452160"/>
+            <a:ext cx="2966400" cy="451800"/>
           </a:xfrm>
           <a:prstGeom prst="rect">
             <a:avLst/>
@@ -2350,7 +2350,7 @@
               </a:lnSpc>
               <a:buNone/>
             </a:pPr>
-            <a:fld id="{F9B4BF41-5435-487A-9E1F-FCD2E113A391}" type="slidenum">
+            <a:fld id="{01AB0512-92CD-4F17-A370-D48B8F7208D7}" type="slidenum">
               <a:rPr b="0" lang="en-US" sz="1200" spc="-1" strike="noStrike">
                 <a:solidFill>
                   <a:srgbClr val="000000"/>
@@ -2401,7 +2401,7 @@
         <p:spPr>
           <a:xfrm>
             <a:off x="380880" y="685800"/>
-            <a:ext cx="6090840" cy="3423960"/>
+            <a:ext cx="6090480" cy="3423600"/>
           </a:xfrm>
           <a:prstGeom prst="rect">
             <a:avLst/>
@@ -2424,7 +2424,7 @@
         <p:spPr>
           <a:xfrm>
             <a:off x="685800" y="4343400"/>
-            <a:ext cx="5481360" cy="4109760"/>
+            <a:ext cx="5481000" cy="4109400"/>
           </a:xfrm>
           <a:prstGeom prst="rect">
             <a:avLst/>
@@ -2458,7 +2458,7 @@
         <p:spPr>
           <a:xfrm>
             <a:off x="3884760" y="8685360"/>
-            <a:ext cx="2966760" cy="452160"/>
+            <a:ext cx="2966400" cy="451800"/>
           </a:xfrm>
           <a:prstGeom prst="rect">
             <a:avLst/>
@@ -2494,7 +2494,7 @@
               </a:lnSpc>
               <a:buNone/>
             </a:pPr>
-            <a:fld id="{6E01DD75-9560-4EE3-B797-86AD50D2C503}" type="slidenum">
+            <a:fld id="{A8DC0257-C6A3-4F0A-BFEC-C88C93147266}" type="slidenum">
               <a:rPr b="0" lang="en-US" sz="1200" spc="-1" strike="noStrike">
                 <a:solidFill>
                   <a:srgbClr val="000000"/>
@@ -2545,7 +2545,7 @@
         <p:spPr>
           <a:xfrm>
             <a:off x="380880" y="685800"/>
-            <a:ext cx="6090840" cy="3423960"/>
+            <a:ext cx="6090480" cy="3423600"/>
           </a:xfrm>
           <a:prstGeom prst="rect">
             <a:avLst/>
@@ -2568,7 +2568,7 @@
         <p:spPr>
           <a:xfrm>
             <a:off x="685800" y="4343400"/>
-            <a:ext cx="5481360" cy="4109760"/>
+            <a:ext cx="5481000" cy="4109400"/>
           </a:xfrm>
           <a:prstGeom prst="rect">
             <a:avLst/>
@@ -2602,7 +2602,7 @@
         <p:spPr>
           <a:xfrm>
             <a:off x="3884760" y="8685360"/>
-            <a:ext cx="2966760" cy="452160"/>
+            <a:ext cx="2966400" cy="451800"/>
           </a:xfrm>
           <a:prstGeom prst="rect">
             <a:avLst/>
@@ -2638,7 +2638,7 @@
               </a:lnSpc>
               <a:buNone/>
             </a:pPr>
-            <a:fld id="{9B7F0C4E-CE9C-4969-ABC7-A95C4BAFA831}" type="slidenum">
+            <a:fld id="{D47C81A7-17B7-496E-AFC2-88DED5C4D261}" type="slidenum">
               <a:rPr b="0" lang="en-US" sz="1200" spc="-1" strike="noStrike">
                 <a:solidFill>
                   <a:srgbClr val="000000"/>
@@ -2689,7 +2689,7 @@
         <p:spPr>
           <a:xfrm>
             <a:off x="380880" y="685800"/>
-            <a:ext cx="6090840" cy="3423960"/>
+            <a:ext cx="6090480" cy="3423600"/>
           </a:xfrm>
           <a:prstGeom prst="rect">
             <a:avLst/>
@@ -2712,7 +2712,7 @@
         <p:spPr>
           <a:xfrm>
             <a:off x="685800" y="4343400"/>
-            <a:ext cx="5481360" cy="4109760"/>
+            <a:ext cx="5481000" cy="4109400"/>
           </a:xfrm>
           <a:prstGeom prst="rect">
             <a:avLst/>
@@ -2746,7 +2746,7 @@
         <p:spPr>
           <a:xfrm>
             <a:off x="3884760" y="8685360"/>
-            <a:ext cx="2966760" cy="452160"/>
+            <a:ext cx="2966400" cy="451800"/>
           </a:xfrm>
           <a:prstGeom prst="rect">
             <a:avLst/>
@@ -2782,7 +2782,7 @@
               </a:lnSpc>
               <a:buNone/>
             </a:pPr>
-            <a:fld id="{5C25FB05-A057-4F2E-B0CF-2D734960E5BE}" type="slidenum">
+            <a:fld id="{858A6C47-30A9-4CEE-98DB-54EE03A437AA}" type="slidenum">
               <a:rPr b="0" lang="en-US" sz="1200" spc="-1" strike="noStrike">
                 <a:solidFill>
                   <a:srgbClr val="000000"/>
@@ -2833,7 +2833,7 @@
         <p:spPr>
           <a:xfrm>
             <a:off x="380880" y="685800"/>
-            <a:ext cx="6090840" cy="3423960"/>
+            <a:ext cx="6090480" cy="3423600"/>
           </a:xfrm>
           <a:prstGeom prst="rect">
             <a:avLst/>
@@ -2856,7 +2856,7 @@
         <p:spPr>
           <a:xfrm>
             <a:off x="685800" y="4343400"/>
-            <a:ext cx="5481360" cy="4109760"/>
+            <a:ext cx="5481000" cy="4109400"/>
           </a:xfrm>
           <a:prstGeom prst="rect">
             <a:avLst/>
@@ -2890,7 +2890,7 @@
         <p:spPr>
           <a:xfrm>
             <a:off x="3884760" y="8685360"/>
-            <a:ext cx="2966760" cy="452160"/>
+            <a:ext cx="2966400" cy="451800"/>
           </a:xfrm>
           <a:prstGeom prst="rect">
             <a:avLst/>
@@ -2926,7 +2926,7 @@
               </a:lnSpc>
               <a:buNone/>
             </a:pPr>
-            <a:fld id="{DE5F7AD0-8F88-4EED-8EFB-23D4E6C07B67}" type="slidenum">
+            <a:fld id="{23ED4658-0818-4B12-9F96-62D0C0365196}" type="slidenum">
               <a:rPr b="0" lang="en-US" sz="1200" spc="-1" strike="noStrike">
                 <a:solidFill>
                   <a:srgbClr val="000000"/>
@@ -2977,7 +2977,7 @@
         <p:spPr>
           <a:xfrm>
             <a:off x="380880" y="685800"/>
-            <a:ext cx="6090840" cy="3423960"/>
+            <a:ext cx="6090480" cy="3423600"/>
           </a:xfrm>
           <a:prstGeom prst="rect">
             <a:avLst/>
@@ -3000,7 +3000,7 @@
         <p:spPr>
           <a:xfrm>
             <a:off x="685800" y="4343400"/>
-            <a:ext cx="5481360" cy="4109760"/>
+            <a:ext cx="5481000" cy="4109400"/>
           </a:xfrm>
           <a:prstGeom prst="rect">
             <a:avLst/>
@@ -3034,7 +3034,7 @@
         <p:spPr>
           <a:xfrm>
             <a:off x="3884760" y="8685360"/>
-            <a:ext cx="2966760" cy="452160"/>
+            <a:ext cx="2966400" cy="451800"/>
           </a:xfrm>
           <a:prstGeom prst="rect">
             <a:avLst/>
@@ -3070,7 +3070,7 @@
               </a:lnSpc>
               <a:buNone/>
             </a:pPr>
-            <a:fld id="{76443F63-AF25-4387-8C40-144C7EC26CD2}" type="slidenum">
+            <a:fld id="{66A3B518-801F-4151-AFFC-75EDE53AE49B}" type="slidenum">
               <a:rPr b="0" lang="en-US" sz="1200" spc="-1" strike="noStrike">
                 <a:solidFill>
                   <a:srgbClr val="000000"/>
@@ -3121,7 +3121,7 @@
         <p:spPr>
           <a:xfrm>
             <a:off x="380880" y="685800"/>
-            <a:ext cx="6090840" cy="3423960"/>
+            <a:ext cx="6090480" cy="3423600"/>
           </a:xfrm>
           <a:prstGeom prst="rect">
             <a:avLst/>
@@ -3144,7 +3144,7 @@
         <p:spPr>
           <a:xfrm>
             <a:off x="685800" y="4343400"/>
-            <a:ext cx="5481360" cy="4109760"/>
+            <a:ext cx="5481000" cy="4109400"/>
           </a:xfrm>
           <a:prstGeom prst="rect">
             <a:avLst/>
@@ -3178,7 +3178,7 @@
         <p:spPr>
           <a:xfrm>
             <a:off x="3884760" y="8685360"/>
-            <a:ext cx="2966760" cy="452160"/>
+            <a:ext cx="2966400" cy="451800"/>
           </a:xfrm>
           <a:prstGeom prst="rect">
             <a:avLst/>
@@ -3214,7 +3214,7 @@
               </a:lnSpc>
               <a:buNone/>
             </a:pPr>
-            <a:fld id="{ED1FE269-02C3-4347-B837-1D682BC0A466}" type="slidenum">
+            <a:fld id="{E84A4F09-CA71-4814-B7AC-39307064F14C}" type="slidenum">
               <a:rPr b="0" lang="en-US" sz="1200" spc="-1" strike="noStrike">
                 <a:solidFill>
                   <a:srgbClr val="000000"/>
@@ -3265,7 +3265,7 @@
         <p:spPr>
           <a:xfrm>
             <a:off x="380880" y="685800"/>
-            <a:ext cx="6090840" cy="3423960"/>
+            <a:ext cx="6090480" cy="3423600"/>
           </a:xfrm>
           <a:prstGeom prst="rect">
             <a:avLst/>
@@ -3288,7 +3288,7 @@
         <p:spPr>
           <a:xfrm>
             <a:off x="685800" y="4343400"/>
-            <a:ext cx="5481360" cy="4109760"/>
+            <a:ext cx="5481000" cy="4109400"/>
           </a:xfrm>
           <a:prstGeom prst="rect">
             <a:avLst/>
@@ -3322,7 +3322,7 @@
         <p:spPr>
           <a:xfrm>
             <a:off x="3884760" y="8685360"/>
-            <a:ext cx="2966760" cy="452160"/>
+            <a:ext cx="2966400" cy="451800"/>
           </a:xfrm>
           <a:prstGeom prst="rect">
             <a:avLst/>
@@ -3358,7 +3358,7 @@
               </a:lnSpc>
               <a:buNone/>
             </a:pPr>
-            <a:fld id="{22AF924D-E763-4E58-B33C-080187C681AB}" type="slidenum">
+            <a:fld id="{7CF0FE4E-B257-4198-BDA6-5CDD77518DF0}" type="slidenum">
               <a:rPr b="0" lang="en-US" sz="1200" spc="-1" strike="noStrike">
                 <a:solidFill>
                   <a:srgbClr val="000000"/>
@@ -3409,7 +3409,7 @@
         <p:spPr>
           <a:xfrm>
             <a:off x="380880" y="685800"/>
-            <a:ext cx="6090840" cy="3423960"/>
+            <a:ext cx="6090480" cy="3423600"/>
           </a:xfrm>
           <a:prstGeom prst="rect">
             <a:avLst/>
@@ -3432,7 +3432,7 @@
         <p:spPr>
           <a:xfrm>
             <a:off x="685800" y="4343400"/>
-            <a:ext cx="5481360" cy="4109760"/>
+            <a:ext cx="5481000" cy="4109400"/>
           </a:xfrm>
           <a:prstGeom prst="rect">
             <a:avLst/>
@@ -3466,7 +3466,7 @@
         <p:spPr>
           <a:xfrm>
             <a:off x="3884760" y="8685360"/>
-            <a:ext cx="2966760" cy="452160"/>
+            <a:ext cx="2966400" cy="451800"/>
           </a:xfrm>
           <a:prstGeom prst="rect">
             <a:avLst/>
@@ -3502,7 +3502,7 @@
               </a:lnSpc>
               <a:buNone/>
             </a:pPr>
-            <a:fld id="{CB567386-518E-42B7-AB53-11E18F265750}" type="slidenum">
+            <a:fld id="{A8EBEA64-A5E5-43F4-B2A2-DBBE919F17D4}" type="slidenum">
               <a:rPr b="0" lang="en-US" sz="1200" spc="-1" strike="noStrike">
                 <a:solidFill>
                   <a:srgbClr val="000000"/>
@@ -3553,7 +3553,7 @@
         <p:spPr>
           <a:xfrm>
             <a:off x="380880" y="685800"/>
-            <a:ext cx="6090840" cy="3423960"/>
+            <a:ext cx="6090480" cy="3423600"/>
           </a:xfrm>
           <a:prstGeom prst="rect">
             <a:avLst/>
@@ -3576,7 +3576,7 @@
         <p:spPr>
           <a:xfrm>
             <a:off x="685800" y="4343400"/>
-            <a:ext cx="5481360" cy="4109760"/>
+            <a:ext cx="5481000" cy="4109400"/>
           </a:xfrm>
           <a:prstGeom prst="rect">
             <a:avLst/>
@@ -3610,7 +3610,7 @@
         <p:spPr>
           <a:xfrm>
             <a:off x="3884760" y="8685360"/>
-            <a:ext cx="2966760" cy="452160"/>
+            <a:ext cx="2966400" cy="451800"/>
           </a:xfrm>
           <a:prstGeom prst="rect">
             <a:avLst/>
@@ -3646,7 +3646,7 @@
               </a:lnSpc>
               <a:buNone/>
             </a:pPr>
-            <a:fld id="{84FC6ED0-1928-455D-88A9-50F3A245B91B}" type="slidenum">
+            <a:fld id="{FB8DFC3C-748F-4C3A-853A-3382F391BBB5}" type="slidenum">
               <a:rPr b="0" lang="en-US" sz="1200" spc="-1" strike="noStrike">
                 <a:solidFill>
                   <a:srgbClr val="000000"/>
@@ -3697,7 +3697,7 @@
         <p:spPr>
           <a:xfrm>
             <a:off x="380880" y="685800"/>
-            <a:ext cx="6090840" cy="3423960"/>
+            <a:ext cx="6090480" cy="3423600"/>
           </a:xfrm>
           <a:prstGeom prst="rect">
             <a:avLst/>
@@ -3720,7 +3720,7 @@
         <p:spPr>
           <a:xfrm>
             <a:off x="685800" y="4343400"/>
-            <a:ext cx="5481360" cy="4109760"/>
+            <a:ext cx="5481000" cy="4109400"/>
           </a:xfrm>
           <a:prstGeom prst="rect">
             <a:avLst/>
@@ -3754,7 +3754,7 @@
         <p:spPr>
           <a:xfrm>
             <a:off x="3884760" y="8685360"/>
-            <a:ext cx="2966760" cy="452160"/>
+            <a:ext cx="2966400" cy="451800"/>
           </a:xfrm>
           <a:prstGeom prst="rect">
             <a:avLst/>
@@ -3790,7 +3790,7 @@
               </a:lnSpc>
               <a:buNone/>
             </a:pPr>
-            <a:fld id="{CA37A193-255E-4764-B2FB-D547BB7C9A8E}" type="slidenum">
+            <a:fld id="{F4E23394-0600-4B76-BC02-23CFD3377D68}" type="slidenum">
               <a:rPr b="0" lang="en-US" sz="1200" spc="-1" strike="noStrike">
                 <a:solidFill>
                   <a:srgbClr val="000000"/>
@@ -3841,7 +3841,7 @@
         <p:spPr>
           <a:xfrm>
             <a:off x="380880" y="685800"/>
-            <a:ext cx="6090840" cy="3423960"/>
+            <a:ext cx="6090480" cy="3423600"/>
           </a:xfrm>
           <a:prstGeom prst="rect">
             <a:avLst/>
@@ -3864,7 +3864,7 @@
         <p:spPr>
           <a:xfrm>
             <a:off x="685800" y="4343400"/>
-            <a:ext cx="5481360" cy="4109760"/>
+            <a:ext cx="5481000" cy="4109400"/>
           </a:xfrm>
           <a:prstGeom prst="rect">
             <a:avLst/>
@@ -3898,7 +3898,7 @@
         <p:spPr>
           <a:xfrm>
             <a:off x="3884760" y="8685360"/>
-            <a:ext cx="2966760" cy="452160"/>
+            <a:ext cx="2966400" cy="451800"/>
           </a:xfrm>
           <a:prstGeom prst="rect">
             <a:avLst/>
@@ -3934,7 +3934,7 @@
               </a:lnSpc>
               <a:buNone/>
             </a:pPr>
-            <a:fld id="{68B26279-0B5F-4ED9-82F6-4EFFCE7ABA90}" type="slidenum">
+            <a:fld id="{2F215CF0-3017-409E-8502-30D2F7E44B69}" type="slidenum">
               <a:rPr b="0" lang="en-US" sz="1200" spc="-1" strike="noStrike">
                 <a:solidFill>
                   <a:srgbClr val="000000"/>
@@ -3985,7 +3985,7 @@
         <p:spPr>
           <a:xfrm>
             <a:off x="380880" y="685800"/>
-            <a:ext cx="6090840" cy="3423960"/>
+            <a:ext cx="6090480" cy="3423600"/>
           </a:xfrm>
           <a:prstGeom prst="rect">
             <a:avLst/>
@@ -4008,7 +4008,7 @@
         <p:spPr>
           <a:xfrm>
             <a:off x="685800" y="4343400"/>
-            <a:ext cx="5481360" cy="4109760"/>
+            <a:ext cx="5481000" cy="4109400"/>
           </a:xfrm>
           <a:prstGeom prst="rect">
             <a:avLst/>
@@ -4042,7 +4042,7 @@
         <p:spPr>
           <a:xfrm>
             <a:off x="3884760" y="8685360"/>
-            <a:ext cx="2966760" cy="452160"/>
+            <a:ext cx="2966400" cy="451800"/>
           </a:xfrm>
           <a:prstGeom prst="rect">
             <a:avLst/>
@@ -4078,7 +4078,7 @@
               </a:lnSpc>
               <a:buNone/>
             </a:pPr>
-            <a:fld id="{FF1D0308-4505-4389-8450-E24960AB7CE8}" type="slidenum">
+            <a:fld id="{D0BEAE0F-DA6F-4B99-A380-C95F6354F778}" type="slidenum">
               <a:rPr b="0" lang="en-US" sz="1200" spc="-1" strike="noStrike">
                 <a:solidFill>
                   <a:srgbClr val="000000"/>
@@ -4129,7 +4129,7 @@
         <p:spPr>
           <a:xfrm>
             <a:off x="380880" y="685800"/>
-            <a:ext cx="6090840" cy="3423960"/>
+            <a:ext cx="6090480" cy="3423600"/>
           </a:xfrm>
           <a:prstGeom prst="rect">
             <a:avLst/>
@@ -4152,7 +4152,7 @@
         <p:spPr>
           <a:xfrm>
             <a:off x="685800" y="4343400"/>
-            <a:ext cx="5481360" cy="4109760"/>
+            <a:ext cx="5481000" cy="4109400"/>
           </a:xfrm>
           <a:prstGeom prst="rect">
             <a:avLst/>
@@ -4186,7 +4186,7 @@
         <p:spPr>
           <a:xfrm>
             <a:off x="3884760" y="8685360"/>
-            <a:ext cx="2966760" cy="452160"/>
+            <a:ext cx="2966400" cy="451800"/>
           </a:xfrm>
           <a:prstGeom prst="rect">
             <a:avLst/>
@@ -4222,7 +4222,7 @@
               </a:lnSpc>
               <a:buNone/>
             </a:pPr>
-            <a:fld id="{023DD1B3-063E-4560-99E4-452123FF0449}" type="slidenum">
+            <a:fld id="{DAFD452D-01A2-490E-B0AB-9E97B642D29B}" type="slidenum">
               <a:rPr b="0" lang="en-US" sz="1200" spc="-1" strike="noStrike">
                 <a:solidFill>
                   <a:srgbClr val="000000"/>
@@ -4273,7 +4273,7 @@
         <p:spPr>
           <a:xfrm>
             <a:off x="380880" y="685800"/>
-            <a:ext cx="6090840" cy="3423960"/>
+            <a:ext cx="6090480" cy="3423600"/>
           </a:xfrm>
           <a:prstGeom prst="rect">
             <a:avLst/>
@@ -4296,7 +4296,7 @@
         <p:spPr>
           <a:xfrm>
             <a:off x="685800" y="4343400"/>
-            <a:ext cx="5481360" cy="4109760"/>
+            <a:ext cx="5481000" cy="4109400"/>
           </a:xfrm>
           <a:prstGeom prst="rect">
             <a:avLst/>
@@ -4330,7 +4330,7 @@
         <p:spPr>
           <a:xfrm>
             <a:off x="3884760" y="8685360"/>
-            <a:ext cx="2966760" cy="452160"/>
+            <a:ext cx="2966400" cy="451800"/>
           </a:xfrm>
           <a:prstGeom prst="rect">
             <a:avLst/>
@@ -4366,7 +4366,7 @@
               </a:lnSpc>
               <a:buNone/>
             </a:pPr>
-            <a:fld id="{D979749D-83B8-430C-A5EE-885D940B075F}" type="slidenum">
+            <a:fld id="{517F4727-43F3-4827-973F-FAF47F8B8685}" type="slidenum">
               <a:rPr b="0" lang="en-US" sz="1200" spc="-1" strike="noStrike">
                 <a:solidFill>
                   <a:srgbClr val="000000"/>
@@ -4417,7 +4417,7 @@
         <p:spPr>
           <a:xfrm>
             <a:off x="380880" y="685800"/>
-            <a:ext cx="6090840" cy="3423960"/>
+            <a:ext cx="6090480" cy="3423600"/>
           </a:xfrm>
           <a:prstGeom prst="rect">
             <a:avLst/>
@@ -4440,7 +4440,7 @@
         <p:spPr>
           <a:xfrm>
             <a:off x="685800" y="4343400"/>
-            <a:ext cx="5481360" cy="4109760"/>
+            <a:ext cx="5481000" cy="4109400"/>
           </a:xfrm>
           <a:prstGeom prst="rect">
             <a:avLst/>
@@ -4474,7 +4474,7 @@
         <p:spPr>
           <a:xfrm>
             <a:off x="3884760" y="8685360"/>
-            <a:ext cx="2966760" cy="452160"/>
+            <a:ext cx="2966400" cy="451800"/>
           </a:xfrm>
           <a:prstGeom prst="rect">
             <a:avLst/>
@@ -4510,7 +4510,7 @@
               </a:lnSpc>
               <a:buNone/>
             </a:pPr>
-            <a:fld id="{B9F1230E-871A-4958-8ED0-31C467C4F672}" type="slidenum">
+            <a:fld id="{9EC90F96-F14B-48C9-90ED-D756E3067B87}" type="slidenum">
               <a:rPr b="0" lang="en-US" sz="1200" spc="-1" strike="noStrike">
                 <a:solidFill>
                   <a:srgbClr val="000000"/>
@@ -4561,7 +4561,7 @@
         <p:spPr>
           <a:xfrm>
             <a:off x="380880" y="685800"/>
-            <a:ext cx="6090840" cy="3423960"/>
+            <a:ext cx="6090480" cy="3423600"/>
           </a:xfrm>
           <a:prstGeom prst="rect">
             <a:avLst/>
@@ -4584,7 +4584,7 @@
         <p:spPr>
           <a:xfrm>
             <a:off x="685800" y="4343400"/>
-            <a:ext cx="5481360" cy="4109760"/>
+            <a:ext cx="5481000" cy="4109400"/>
           </a:xfrm>
           <a:prstGeom prst="rect">
             <a:avLst/>
@@ -4618,7 +4618,7 @@
         <p:spPr>
           <a:xfrm>
             <a:off x="3884760" y="8685360"/>
-            <a:ext cx="2966760" cy="452160"/>
+            <a:ext cx="2966400" cy="451800"/>
           </a:xfrm>
           <a:prstGeom prst="rect">
             <a:avLst/>
@@ -4654,7 +4654,7 @@
               </a:lnSpc>
               <a:buNone/>
             </a:pPr>
-            <a:fld id="{A3C33077-DE35-4CAD-96C1-721E966C2FCF}" type="slidenum">
+            <a:fld id="{A30DB55A-DC31-42ED-B7CE-D7C6ED46C1D9}" type="slidenum">
               <a:rPr b="0" lang="en-US" sz="1200" spc="-1" strike="noStrike">
                 <a:solidFill>
                   <a:srgbClr val="000000"/>
@@ -4705,7 +4705,7 @@
         <p:spPr>
           <a:xfrm>
             <a:off x="380880" y="685800"/>
-            <a:ext cx="6090840" cy="3423960"/>
+            <a:ext cx="6090480" cy="3423600"/>
           </a:xfrm>
           <a:prstGeom prst="rect">
             <a:avLst/>
@@ -4728,7 +4728,7 @@
         <p:spPr>
           <a:xfrm>
             <a:off x="685800" y="4343400"/>
-            <a:ext cx="5481360" cy="4109760"/>
+            <a:ext cx="5481000" cy="4109400"/>
           </a:xfrm>
           <a:prstGeom prst="rect">
             <a:avLst/>
@@ -4762,7 +4762,7 @@
         <p:spPr>
           <a:xfrm>
             <a:off x="3884760" y="8685360"/>
-            <a:ext cx="2966760" cy="452160"/>
+            <a:ext cx="2966400" cy="451800"/>
           </a:xfrm>
           <a:prstGeom prst="rect">
             <a:avLst/>
@@ -4798,7 +4798,7 @@
               </a:lnSpc>
               <a:buNone/>
             </a:pPr>
-            <a:fld id="{69B07946-DADC-45C2-9915-7F5ABB73DB21}" type="slidenum">
+            <a:fld id="{D47E797F-7DBB-4BEE-97EC-480FF18E6C70}" type="slidenum">
               <a:rPr b="0" lang="en-US" sz="1200" spc="-1" strike="noStrike">
                 <a:solidFill>
                   <a:srgbClr val="000000"/>
@@ -4849,7 +4849,7 @@
         <p:spPr>
           <a:xfrm>
             <a:off x="380880" y="685800"/>
-            <a:ext cx="6090840" cy="3423960"/>
+            <a:ext cx="6090480" cy="3423600"/>
           </a:xfrm>
           <a:prstGeom prst="rect">
             <a:avLst/>
@@ -4872,7 +4872,7 @@
         <p:spPr>
           <a:xfrm>
             <a:off x="685800" y="4343400"/>
-            <a:ext cx="5481360" cy="4109760"/>
+            <a:ext cx="5481000" cy="4109400"/>
           </a:xfrm>
           <a:prstGeom prst="rect">
             <a:avLst/>
@@ -4906,7 +4906,7 @@
         <p:spPr>
           <a:xfrm>
             <a:off x="3884760" y="8685360"/>
-            <a:ext cx="2966760" cy="452160"/>
+            <a:ext cx="2966400" cy="451800"/>
           </a:xfrm>
           <a:prstGeom prst="rect">
             <a:avLst/>
@@ -4942,7 +4942,7 @@
               </a:lnSpc>
               <a:buNone/>
             </a:pPr>
-            <a:fld id="{65A9500D-622D-4CD0-94F2-359B0B65B98C}" type="slidenum">
+            <a:fld id="{74EF88A0-6FA5-4226-BE92-2C89C674F7D0}" type="slidenum">
               <a:rPr b="0" lang="en-US" sz="1200" spc="-1" strike="noStrike">
                 <a:solidFill>
                   <a:srgbClr val="000000"/>
@@ -4993,7 +4993,7 @@
         <p:spPr>
           <a:xfrm>
             <a:off x="380880" y="685800"/>
-            <a:ext cx="6090840" cy="3423960"/>
+            <a:ext cx="6090480" cy="3423600"/>
           </a:xfrm>
           <a:prstGeom prst="rect">
             <a:avLst/>
@@ -5016,7 +5016,7 @@
         <p:spPr>
           <a:xfrm>
             <a:off x="685800" y="4343400"/>
-            <a:ext cx="5481360" cy="4109760"/>
+            <a:ext cx="5481000" cy="4109400"/>
           </a:xfrm>
           <a:prstGeom prst="rect">
             <a:avLst/>
@@ -5050,7 +5050,7 @@
         <p:spPr>
           <a:xfrm>
             <a:off x="3884760" y="8685360"/>
-            <a:ext cx="2966760" cy="452160"/>
+            <a:ext cx="2966400" cy="451800"/>
           </a:xfrm>
           <a:prstGeom prst="rect">
             <a:avLst/>
@@ -5086,7 +5086,7 @@
               </a:lnSpc>
               <a:buNone/>
             </a:pPr>
-            <a:fld id="{9E7ACFE7-81DE-4A43-8C92-FF895A5E6232}" type="slidenum">
+            <a:fld id="{14B8CAE3-3D3A-467A-A7DF-3E7D3325D4C7}" type="slidenum">
               <a:rPr b="0" lang="en-US" sz="1200" spc="-1" strike="noStrike">
                 <a:solidFill>
                   <a:srgbClr val="000000"/>
@@ -5137,7 +5137,7 @@
         <p:spPr>
           <a:xfrm>
             <a:off x="380880" y="685800"/>
-            <a:ext cx="6090840" cy="3423960"/>
+            <a:ext cx="6090480" cy="3423600"/>
           </a:xfrm>
           <a:prstGeom prst="rect">
             <a:avLst/>
@@ -5160,7 +5160,7 @@
         <p:spPr>
           <a:xfrm>
             <a:off x="685800" y="4343400"/>
-            <a:ext cx="5481360" cy="4109760"/>
+            <a:ext cx="5481000" cy="4109400"/>
           </a:xfrm>
           <a:prstGeom prst="rect">
             <a:avLst/>
@@ -5194,7 +5194,7 @@
         <p:spPr>
           <a:xfrm>
             <a:off x="3884760" y="8685360"/>
-            <a:ext cx="2966760" cy="452160"/>
+            <a:ext cx="2966400" cy="451800"/>
           </a:xfrm>
           <a:prstGeom prst="rect">
             <a:avLst/>
@@ -5230,7 +5230,7 @@
               </a:lnSpc>
               <a:buNone/>
             </a:pPr>
-            <a:fld id="{B1FC8BBE-09B4-4FE9-82F4-FF9EC9AB4A1D}" type="slidenum">
+            <a:fld id="{AD5CB88C-C616-4B37-8457-CBBC56D6487E}" type="slidenum">
               <a:rPr b="0" lang="en-US" sz="1200" spc="-1" strike="noStrike">
                 <a:solidFill>
                   <a:srgbClr val="000000"/>
@@ -5281,7 +5281,7 @@
         <p:spPr>
           <a:xfrm>
             <a:off x="380880" y="685800"/>
-            <a:ext cx="6090840" cy="3423960"/>
+            <a:ext cx="6090480" cy="3423600"/>
           </a:xfrm>
           <a:prstGeom prst="rect">
             <a:avLst/>
@@ -5304,7 +5304,7 @@
         <p:spPr>
           <a:xfrm>
             <a:off x="685800" y="4343400"/>
-            <a:ext cx="5481360" cy="4109760"/>
+            <a:ext cx="5481000" cy="4109400"/>
           </a:xfrm>
           <a:prstGeom prst="rect">
             <a:avLst/>
@@ -5338,7 +5338,7 @@
         <p:spPr>
           <a:xfrm>
             <a:off x="3884760" y="8685360"/>
-            <a:ext cx="2966760" cy="452160"/>
+            <a:ext cx="2966400" cy="451800"/>
           </a:xfrm>
           <a:prstGeom prst="rect">
             <a:avLst/>
@@ -5374,7 +5374,7 @@
               </a:lnSpc>
               <a:buNone/>
             </a:pPr>
-            <a:fld id="{15185E00-3443-436D-8482-54A77B3512C4}" type="slidenum">
+            <a:fld id="{3D7112E0-E133-4008-9410-76E2A0F7DE6F}" type="slidenum">
               <a:rPr b="0" lang="en-US" sz="1200" spc="-1" strike="noStrike">
                 <a:solidFill>
                   <a:srgbClr val="000000"/>
@@ -5425,7 +5425,7 @@
         <p:spPr>
           <a:xfrm>
             <a:off x="380880" y="685800"/>
-            <a:ext cx="6090840" cy="3423960"/>
+            <a:ext cx="6090480" cy="3423600"/>
           </a:xfrm>
           <a:prstGeom prst="rect">
             <a:avLst/>
@@ -5448,7 +5448,7 @@
         <p:spPr>
           <a:xfrm>
             <a:off x="685800" y="4343400"/>
-            <a:ext cx="5481360" cy="4109760"/>
+            <a:ext cx="5481000" cy="4109400"/>
           </a:xfrm>
           <a:prstGeom prst="rect">
             <a:avLst/>
@@ -5482,7 +5482,7 @@
         <p:spPr>
           <a:xfrm>
             <a:off x="3884760" y="8685360"/>
-            <a:ext cx="2966760" cy="452160"/>
+            <a:ext cx="2966400" cy="451800"/>
           </a:xfrm>
           <a:prstGeom prst="rect">
             <a:avLst/>
@@ -5518,7 +5518,7 @@
               </a:lnSpc>
               <a:buNone/>
             </a:pPr>
-            <a:fld id="{0C48C63F-B534-418C-9EF7-82C14C294F3C}" type="slidenum">
+            <a:fld id="{8383C943-9253-47FD-A135-81D173CF933F}" type="slidenum">
               <a:rPr b="0" lang="en-US" sz="1200" spc="-1" strike="noStrike">
                 <a:solidFill>
                   <a:srgbClr val="000000"/>
@@ -5569,7 +5569,7 @@
         <p:spPr>
           <a:xfrm>
             <a:off x="380880" y="685800"/>
-            <a:ext cx="6090840" cy="3423960"/>
+            <a:ext cx="6090480" cy="3423600"/>
           </a:xfrm>
           <a:prstGeom prst="rect">
             <a:avLst/>
@@ -5592,7 +5592,7 @@
         <p:spPr>
           <a:xfrm>
             <a:off x="685800" y="4343400"/>
-            <a:ext cx="5481360" cy="4109760"/>
+            <a:ext cx="5481000" cy="4109400"/>
           </a:xfrm>
           <a:prstGeom prst="rect">
             <a:avLst/>
@@ -5626,7 +5626,7 @@
         <p:spPr>
           <a:xfrm>
             <a:off x="3884760" y="8685360"/>
-            <a:ext cx="2966760" cy="452160"/>
+            <a:ext cx="2966400" cy="451800"/>
           </a:xfrm>
           <a:prstGeom prst="rect">
             <a:avLst/>
@@ -5662,7 +5662,7 @@
               </a:lnSpc>
               <a:buNone/>
             </a:pPr>
-            <a:fld id="{F7E31A3A-5C8A-40C2-A605-3694269B2C45}" type="slidenum">
+            <a:fld id="{9BBC4ACD-07E0-4FBB-B689-4829C2DDF87A}" type="slidenum">
               <a:rPr b="0" lang="en-US" sz="1200" spc="-1" strike="noStrike">
                 <a:solidFill>
                   <a:srgbClr val="000000"/>
@@ -5713,7 +5713,7 @@
         <p:spPr>
           <a:xfrm>
             <a:off x="380880" y="685800"/>
-            <a:ext cx="6090840" cy="3423960"/>
+            <a:ext cx="6090480" cy="3423600"/>
           </a:xfrm>
           <a:prstGeom prst="rect">
             <a:avLst/>
@@ -5736,7 +5736,7 @@
         <p:spPr>
           <a:xfrm>
             <a:off x="685800" y="4343400"/>
-            <a:ext cx="5481360" cy="4109760"/>
+            <a:ext cx="5481000" cy="4109400"/>
           </a:xfrm>
           <a:prstGeom prst="rect">
             <a:avLst/>
@@ -5770,7 +5770,7 @@
         <p:spPr>
           <a:xfrm>
             <a:off x="3884760" y="8685360"/>
-            <a:ext cx="2966760" cy="452160"/>
+            <a:ext cx="2966400" cy="451800"/>
           </a:xfrm>
           <a:prstGeom prst="rect">
             <a:avLst/>
@@ -5806,7 +5806,7 @@
               </a:lnSpc>
               <a:buNone/>
             </a:pPr>
-            <a:fld id="{62AE8288-6FE1-4428-A10B-45341512C6E3}" type="slidenum">
+            <a:fld id="{7E811034-1E30-4508-9F23-6CE58435832C}" type="slidenum">
               <a:rPr b="0" lang="en-US" sz="1200" spc="-1" strike="noStrike">
                 <a:solidFill>
                   <a:srgbClr val="000000"/>
@@ -5857,7 +5857,7 @@
         <p:spPr>
           <a:xfrm>
             <a:off x="380880" y="685800"/>
-            <a:ext cx="6090840" cy="3423960"/>
+            <a:ext cx="6090480" cy="3423600"/>
           </a:xfrm>
           <a:prstGeom prst="rect">
             <a:avLst/>
@@ -5880,7 +5880,7 @@
         <p:spPr>
           <a:xfrm>
             <a:off x="685800" y="4343400"/>
-            <a:ext cx="5481360" cy="4109760"/>
+            <a:ext cx="5481000" cy="4109400"/>
           </a:xfrm>
           <a:prstGeom prst="rect">
             <a:avLst/>
@@ -5914,7 +5914,7 @@
         <p:spPr>
           <a:xfrm>
             <a:off x="3884760" y="8685360"/>
-            <a:ext cx="2966760" cy="452160"/>
+            <a:ext cx="2966400" cy="451800"/>
           </a:xfrm>
           <a:prstGeom prst="rect">
             <a:avLst/>
@@ -5950,7 +5950,7 @@
               </a:lnSpc>
               <a:buNone/>
             </a:pPr>
-            <a:fld id="{FBE7574B-8EC5-4630-9A07-F14934155B3C}" type="slidenum">
+            <a:fld id="{F64C64B7-97E0-4042-B5A4-AA772449F767}" type="slidenum">
               <a:rPr b="0" lang="en-US" sz="1200" spc="-1" strike="noStrike">
                 <a:solidFill>
                   <a:srgbClr val="000000"/>
@@ -6001,7 +6001,7 @@
         <p:spPr>
           <a:xfrm>
             <a:off x="380880" y="685800"/>
-            <a:ext cx="6090840" cy="3423960"/>
+            <a:ext cx="6090480" cy="3423600"/>
           </a:xfrm>
           <a:prstGeom prst="rect">
             <a:avLst/>
@@ -6024,7 +6024,7 @@
         <p:spPr>
           <a:xfrm>
             <a:off x="685800" y="4343400"/>
-            <a:ext cx="5481360" cy="4109760"/>
+            <a:ext cx="5481000" cy="4109400"/>
           </a:xfrm>
           <a:prstGeom prst="rect">
             <a:avLst/>
@@ -6058,7 +6058,7 @@
         <p:spPr>
           <a:xfrm>
             <a:off x="3884760" y="8685360"/>
-            <a:ext cx="2966760" cy="452160"/>
+            <a:ext cx="2966400" cy="451800"/>
           </a:xfrm>
           <a:prstGeom prst="rect">
             <a:avLst/>
@@ -6094,7 +6094,7 @@
               </a:lnSpc>
               <a:buNone/>
             </a:pPr>
-            <a:fld id="{6CD3A096-1F4B-40F4-BB1F-135358529F2C}" type="slidenum">
+            <a:fld id="{8764183C-FDC9-40D4-9F88-59F43065DF5B}" type="slidenum">
               <a:rPr b="0" lang="en-US" sz="1200" spc="-1" strike="noStrike">
                 <a:solidFill>
                   <a:srgbClr val="000000"/>
@@ -6145,7 +6145,7 @@
         <p:spPr>
           <a:xfrm>
             <a:off x="380880" y="685800"/>
-            <a:ext cx="6090840" cy="3423960"/>
+            <a:ext cx="6090480" cy="3423600"/>
           </a:xfrm>
           <a:prstGeom prst="rect">
             <a:avLst/>
@@ -6168,7 +6168,7 @@
         <p:spPr>
           <a:xfrm>
             <a:off x="685800" y="4343400"/>
-            <a:ext cx="5481360" cy="4109760"/>
+            <a:ext cx="5481000" cy="4109400"/>
           </a:xfrm>
           <a:prstGeom prst="rect">
             <a:avLst/>
@@ -6202,7 +6202,7 @@
         <p:spPr>
           <a:xfrm>
             <a:off x="3884760" y="8685360"/>
-            <a:ext cx="2966760" cy="452160"/>
+            <a:ext cx="2966400" cy="451800"/>
           </a:xfrm>
           <a:prstGeom prst="rect">
             <a:avLst/>
@@ -6238,7 +6238,7 @@
               </a:lnSpc>
               <a:buNone/>
             </a:pPr>
-            <a:fld id="{439A6FC0-18CB-4EF3-BA8E-F23FB01C9632}" type="slidenum">
+            <a:fld id="{F6F61284-C8F1-463F-A625-78504F63F9B3}" type="slidenum">
               <a:rPr b="0" lang="en-US" sz="1200" spc="-1" strike="noStrike">
                 <a:solidFill>
                   <a:srgbClr val="000000"/>
@@ -6289,7 +6289,7 @@
         <p:spPr>
           <a:xfrm>
             <a:off x="380880" y="685800"/>
-            <a:ext cx="6090840" cy="3423960"/>
+            <a:ext cx="6090480" cy="3423600"/>
           </a:xfrm>
           <a:prstGeom prst="rect">
             <a:avLst/>
@@ -6312,7 +6312,7 @@
         <p:spPr>
           <a:xfrm>
             <a:off x="685800" y="4343400"/>
-            <a:ext cx="5481360" cy="4109760"/>
+            <a:ext cx="5481000" cy="4109400"/>
           </a:xfrm>
           <a:prstGeom prst="rect">
             <a:avLst/>
@@ -6346,7 +6346,7 @@
         <p:spPr>
           <a:xfrm>
             <a:off x="3884760" y="8685360"/>
-            <a:ext cx="2966760" cy="452160"/>
+            <a:ext cx="2966400" cy="451800"/>
           </a:xfrm>
           <a:prstGeom prst="rect">
             <a:avLst/>
@@ -6382,7 +6382,7 @@
               </a:lnSpc>
               <a:buNone/>
             </a:pPr>
-            <a:fld id="{200DA929-AA15-4C2A-923D-5AB57A9CEAA7}" type="slidenum">
+            <a:fld id="{3BB38D24-4995-43B8-9F21-C8FA12A49E7D}" type="slidenum">
               <a:rPr b="0" lang="en-US" sz="1200" spc="-1" strike="noStrike">
                 <a:solidFill>
                   <a:srgbClr val="000000"/>
@@ -6433,7 +6433,7 @@
         <p:spPr>
           <a:xfrm>
             <a:off x="380880" y="685800"/>
-            <a:ext cx="6090840" cy="3423960"/>
+            <a:ext cx="6090480" cy="3423600"/>
           </a:xfrm>
           <a:prstGeom prst="rect">
             <a:avLst/>
@@ -6456,7 +6456,7 @@
         <p:spPr>
           <a:xfrm>
             <a:off x="685800" y="4343400"/>
-            <a:ext cx="5481360" cy="4109760"/>
+            <a:ext cx="5481000" cy="4109400"/>
           </a:xfrm>
           <a:prstGeom prst="rect">
             <a:avLst/>
@@ -6490,7 +6490,7 @@
         <p:spPr>
           <a:xfrm>
             <a:off x="3884760" y="8685360"/>
-            <a:ext cx="2966760" cy="452160"/>
+            <a:ext cx="2966400" cy="451800"/>
           </a:xfrm>
           <a:prstGeom prst="rect">
             <a:avLst/>
@@ -6526,7 +6526,7 @@
               </a:lnSpc>
               <a:buNone/>
             </a:pPr>
-            <a:fld id="{AAE51BE8-E7FA-4F15-844D-DC3526C5664A}" type="slidenum">
+            <a:fld id="{1AD875BD-15F3-4FF0-B818-FFBF42F8EA74}" type="slidenum">
               <a:rPr b="0" lang="en-US" sz="1200" spc="-1" strike="noStrike">
                 <a:solidFill>
                   <a:srgbClr val="000000"/>
@@ -6577,7 +6577,7 @@
         <p:spPr>
           <a:xfrm>
             <a:off x="380880" y="685800"/>
-            <a:ext cx="6090840" cy="3423960"/>
+            <a:ext cx="6090480" cy="3423600"/>
           </a:xfrm>
           <a:prstGeom prst="rect">
             <a:avLst/>
@@ -6600,7 +6600,7 @@
         <p:spPr>
           <a:xfrm>
             <a:off x="685800" y="4343400"/>
-            <a:ext cx="5481360" cy="4109760"/>
+            <a:ext cx="5481000" cy="4109400"/>
           </a:xfrm>
           <a:prstGeom prst="rect">
             <a:avLst/>
@@ -6634,7 +6634,7 @@
         <p:spPr>
           <a:xfrm>
             <a:off x="3884760" y="8685360"/>
-            <a:ext cx="2966760" cy="452160"/>
+            <a:ext cx="2966400" cy="451800"/>
           </a:xfrm>
           <a:prstGeom prst="rect">
             <a:avLst/>
@@ -6670,7 +6670,7 @@
               </a:lnSpc>
               <a:buNone/>
             </a:pPr>
-            <a:fld id="{22884DD8-17CE-43F0-ADDE-689C7AC04B44}" type="slidenum">
+            <a:fld id="{E6BE3D8A-5557-4BD6-BC64-95329C80D894}" type="slidenum">
               <a:rPr b="0" lang="en-US" sz="1200" spc="-1" strike="noStrike">
                 <a:solidFill>
                   <a:srgbClr val="000000"/>
@@ -6721,7 +6721,7 @@
         <p:spPr>
           <a:xfrm>
             <a:off x="380880" y="685800"/>
-            <a:ext cx="6090840" cy="3423960"/>
+            <a:ext cx="6090480" cy="3423600"/>
           </a:xfrm>
           <a:prstGeom prst="rect">
             <a:avLst/>
@@ -6744,7 +6744,7 @@
         <p:spPr>
           <a:xfrm>
             <a:off x="685800" y="4343400"/>
-            <a:ext cx="5481360" cy="4109760"/>
+            <a:ext cx="5481000" cy="4109400"/>
           </a:xfrm>
           <a:prstGeom prst="rect">
             <a:avLst/>
@@ -6778,7 +6778,7 @@
         <p:spPr>
           <a:xfrm>
             <a:off x="3884760" y="8685360"/>
-            <a:ext cx="2966760" cy="452160"/>
+            <a:ext cx="2966400" cy="451800"/>
           </a:xfrm>
           <a:prstGeom prst="rect">
             <a:avLst/>
@@ -6814,7 +6814,7 @@
               </a:lnSpc>
               <a:buNone/>
             </a:pPr>
-            <a:fld id="{21E6FE59-DDBD-4B1C-BDD2-453E05CE2547}" type="slidenum">
+            <a:fld id="{56FF0B80-73B5-44AF-A255-176C95BE0284}" type="slidenum">
               <a:rPr b="0" lang="en-US" sz="1200" spc="-1" strike="noStrike">
                 <a:solidFill>
                   <a:srgbClr val="000000"/>
@@ -6865,7 +6865,7 @@
         <p:spPr>
           <a:xfrm>
             <a:off x="380880" y="685800"/>
-            <a:ext cx="6090840" cy="3423960"/>
+            <a:ext cx="6090480" cy="3423600"/>
           </a:xfrm>
           <a:prstGeom prst="rect">
             <a:avLst/>
@@ -6888,7 +6888,7 @@
         <p:spPr>
           <a:xfrm>
             <a:off x="685800" y="4343400"/>
-            <a:ext cx="5481360" cy="4109760"/>
+            <a:ext cx="5481000" cy="4109400"/>
           </a:xfrm>
           <a:prstGeom prst="rect">
             <a:avLst/>
@@ -6922,7 +6922,7 @@
         <p:spPr>
           <a:xfrm>
             <a:off x="3884760" y="8685360"/>
-            <a:ext cx="2966760" cy="452160"/>
+            <a:ext cx="2966400" cy="451800"/>
           </a:xfrm>
           <a:prstGeom prst="rect">
             <a:avLst/>
@@ -6958,7 +6958,7 @@
               </a:lnSpc>
               <a:buNone/>
             </a:pPr>
-            <a:fld id="{67DFEB75-122E-4FA1-A360-21D65E2148A5}" type="slidenum">
+            <a:fld id="{3DD6FE80-8DC9-4B31-9C76-AF10814B1361}" type="slidenum">
               <a:rPr b="0" lang="en-US" sz="1200" spc="-1" strike="noStrike">
                 <a:solidFill>
                   <a:srgbClr val="000000"/>
@@ -7030,7 +7030,7 @@
         <p:txBody>
           <a:bodyPr/>
           <a:p>
-            <a:fld id="{9DC21914-DA51-42A7-A348-7858BFE44DFF}" type="slidenum">
+            <a:fld id="{BCF56E89-EF53-492C-A0CC-4697CD774CE6}" type="slidenum">
               <a:t>&lt;#&gt;</a:t>
             </a:fld>
           </a:p>
@@ -7218,7 +7218,7 @@
         <p:txBody>
           <a:bodyPr/>
           <a:p>
-            <a:fld id="{962E77DF-4A0C-45EE-A15A-5D936E0FD7AE}" type="slidenum">
+            <a:fld id="{6BB65850-42B5-4F18-AB2E-79D91B3CD749}" type="slidenum">
               <a:t>&lt;#&gt;</a:t>
             </a:fld>
           </a:p>
@@ -7474,7 +7474,7 @@
         <p:txBody>
           <a:bodyPr/>
           <a:p>
-            <a:fld id="{A68DABE4-EB38-4EBF-9710-6B9B989CF831}" type="slidenum">
+            <a:fld id="{10B9427E-AB50-48C8-AA52-E31818F46B5B}" type="slidenum">
               <a:t>&lt;#&gt;</a:t>
             </a:fld>
           </a:p>
@@ -7798,7 +7798,7 @@
         <p:txBody>
           <a:bodyPr/>
           <a:p>
-            <a:fld id="{D1FB927B-93B6-4EC3-AE8E-F7B2D714FA95}" type="slidenum">
+            <a:fld id="{33F7CE54-642F-48B0-B120-A74F081B105B}" type="slidenum">
               <a:t>&lt;#&gt;</a:t>
             </a:fld>
           </a:p>
@@ -7955,7 +7955,7 @@
         <p:txBody>
           <a:bodyPr/>
           <a:p>
-            <a:fld id="{E8A95FD7-DCB1-4458-9435-C52054F6B395}" type="slidenum">
+            <a:fld id="{56F3A413-A9F2-4FBB-BD4D-B450365C3BCC}" type="slidenum">
               <a:t>&lt;#&gt;</a:t>
             </a:fld>
           </a:p>
@@ -8109,7 +8109,7 @@
         <p:txBody>
           <a:bodyPr/>
           <a:p>
-            <a:fld id="{850721A5-57B2-449C-9DA4-66BDB7EB24F5}" type="slidenum">
+            <a:fld id="{C7448392-8B03-4D60-8365-F24029F2938E}" type="slidenum">
               <a:t>&lt;#&gt;</a:t>
             </a:fld>
           </a:p>
@@ -8297,7 +8297,7 @@
         <p:txBody>
           <a:bodyPr/>
           <a:p>
-            <a:fld id="{3B5CA8E4-CC14-415D-A92B-130993D8B1CD}" type="slidenum">
+            <a:fld id="{6590EE7C-C3B9-4071-8315-80851FDA3D43}" type="slidenum">
               <a:t>&lt;#&gt;</a:t>
             </a:fld>
           </a:p>
@@ -8417,7 +8417,7 @@
         <p:txBody>
           <a:bodyPr/>
           <a:p>
-            <a:fld id="{DF2A04C3-9803-48EB-A43A-6BFD2D103769}" type="slidenum">
+            <a:fld id="{9BE51018-98B0-4259-B2D3-EEB560EC8800}" type="slidenum">
               <a:t>&lt;#&gt;</a:t>
             </a:fld>
           </a:p>
@@ -8537,7 +8537,7 @@
         <p:txBody>
           <a:bodyPr/>
           <a:p>
-            <a:fld id="{D891FB54-B7E6-4121-84B0-129B37C82ED5}" type="slidenum">
+            <a:fld id="{66579A85-8049-4A89-A520-6C8736BB2B78}" type="slidenum">
               <a:t>&lt;#&gt;</a:t>
             </a:fld>
           </a:p>
@@ -8759,7 +8759,7 @@
         <p:txBody>
           <a:bodyPr/>
           <a:p>
-            <a:fld id="{5EE5DE7A-3DC3-4BF0-B455-00D125B3A578}" type="slidenum">
+            <a:fld id="{CFDC0360-1993-408B-BD85-EFD9280CC280}" type="slidenum">
               <a:t>&lt;#&gt;</a:t>
             </a:fld>
           </a:p>
@@ -8981,7 +8981,7 @@
         <p:txBody>
           <a:bodyPr/>
           <a:p>
-            <a:fld id="{1C4F1B97-7BB1-4B5A-A6BC-D70CF5961D4A}" type="slidenum">
+            <a:fld id="{9E7ECB31-9653-4AC2-AAA6-A8801E27AA1A}" type="slidenum">
               <a:t>&lt;#&gt;</a:t>
             </a:fld>
           </a:p>
@@ -9203,7 +9203,7 @@
         <p:txBody>
           <a:bodyPr/>
           <a:p>
-            <a:fld id="{8EB037CA-03C9-4B0E-B61C-46AB1FBA4356}" type="slidenum">
+            <a:fld id="{560F9A6B-8357-4A9E-87E8-FD109631690C}" type="slidenum">
               <a:t>&lt;#&gt;</a:t>
             </a:fld>
           </a:p>
@@ -9272,7 +9272,7 @@
         <p:spPr>
           <a:xfrm>
             <a:off x="3028680" y="4771440"/>
-            <a:ext cx="3081600" cy="269640"/>
+            <a:ext cx="3081240" cy="269280"/>
           </a:xfrm>
           <a:prstGeom prst="rect">
             <a:avLst/>
@@ -9316,7 +9316,7 @@
                 <a:latin typeface="Times New Roman"/>
                 <a:ea typeface="DejaVu Sans"/>
               </a:rPr>
-              <a:t> </a:t>
+              <a:t>&lt;footer&gt;</a:t>
             </a:r>
             <a:endParaRPr b="0" lang="en-US" sz="1400" spc="-1" strike="noStrike">
               <a:latin typeface="Times New Roman"/>
@@ -9337,7 +9337,7 @@
         <p:spPr>
           <a:xfrm>
             <a:off x="6457680" y="4771440"/>
-            <a:ext cx="2053080" cy="269640"/>
+            <a:ext cx="2052720" cy="269280"/>
           </a:xfrm>
           <a:prstGeom prst="rect">
             <a:avLst/>
@@ -9373,7 +9373,7 @@
               </a:lnSpc>
               <a:buNone/>
             </a:pPr>
-            <a:fld id="{49B38E24-B28B-4791-BFB8-3312CD1F00C7}" type="slidenum">
+            <a:fld id="{B38FB512-F104-49EC-8C47-F6331168AB16}" type="slidenum">
               <a:rPr b="0" lang="en-US" sz="1200" spc="-1" strike="noStrike">
                 <a:solidFill>
                   <a:srgbClr val="8b8b8b"/>
@@ -9381,7 +9381,7 @@
                 <a:latin typeface="Calibri"/>
                 <a:ea typeface="DejaVu Sans"/>
               </a:rPr>
-              <a:t>45</a:t>
+              <a:t>&lt;number&gt;</a:t>
             </a:fld>
             <a:endParaRPr b="0" lang="en-US" sz="1200" spc="-1" strike="noStrike">
               <a:latin typeface="Times New Roman"/>
@@ -9402,7 +9402,7 @@
         <p:spPr>
           <a:xfrm>
             <a:off x="628200" y="4771440"/>
-            <a:ext cx="2053080" cy="269640"/>
+            <a:ext cx="2052720" cy="269280"/>
           </a:xfrm>
           <a:prstGeom prst="rect">
             <a:avLst/>
@@ -9428,7 +9428,7 @@
               <a:rPr b="0" lang="en-US" sz="1400" spc="-1" strike="noStrike">
                 <a:latin typeface="Times New Roman"/>
               </a:rPr>
-              <a:t> </a:t>
+              <a:t>&lt;date/time&gt;</a:t>
             </a:r>
             <a:endParaRPr b="0" lang="en-US" sz="1400" spc="-1" strike="noStrike">
               <a:latin typeface="Times New Roman"/>
@@ -9714,8 +9714,8 @@
         </p:nvSpPr>
         <p:spPr>
           <a:xfrm rot="2744400">
-            <a:off x="-280080" y="-25560"/>
-            <a:ext cx="703800" cy="703440"/>
+            <a:off x="-279720" y="-25560"/>
+            <a:ext cx="703440" cy="703080"/>
           </a:xfrm>
           <a:prstGeom prst="roundRect">
             <a:avLst>
@@ -9752,8 +9752,8 @@
         </p:nvSpPr>
         <p:spPr>
           <a:xfrm rot="2625600">
-            <a:off x="6024960" y="4332600"/>
-            <a:ext cx="467640" cy="467640"/>
+            <a:off x="6024960" y="4332240"/>
+            <a:ext cx="467280" cy="467280"/>
           </a:xfrm>
           <a:prstGeom prst="roundRect">
             <a:avLst>
@@ -9790,8 +9790,8 @@
         </p:nvSpPr>
         <p:spPr>
           <a:xfrm rot="18679200">
-            <a:off x="7003440" y="948600"/>
-            <a:ext cx="4939200" cy="4665600"/>
+            <a:off x="7003080" y="948600"/>
+            <a:ext cx="4938840" cy="4665240"/>
           </a:xfrm>
           <a:prstGeom prst="roundRect">
             <a:avLst>
@@ -9829,7 +9829,7 @@
         <p:spPr>
           <a:xfrm>
             <a:off x="459720" y="4671360"/>
-            <a:ext cx="2994840" cy="265680"/>
+            <a:ext cx="2994480" cy="265320"/>
           </a:xfrm>
           <a:prstGeom prst="rect">
             <a:avLst/>
@@ -9894,8 +9894,8 @@
         </p:blipFill>
         <p:spPr>
           <a:xfrm>
-            <a:off x="2423160" y="4671720"/>
-            <a:ext cx="287280" cy="287280"/>
+            <a:off x="3035160" y="4743720"/>
+            <a:ext cx="286920" cy="286920"/>
           </a:xfrm>
           <a:prstGeom prst="rect">
             <a:avLst/>
@@ -9914,7 +9914,7 @@
         <p:spPr>
           <a:xfrm>
             <a:off x="484920" y="1681560"/>
-            <a:ext cx="5480280" cy="1881720"/>
+            <a:ext cx="5479920" cy="1881360"/>
           </a:xfrm>
           <a:prstGeom prst="rect">
             <a:avLst/>
@@ -10002,8 +10002,8 @@
         </p:nvSpPr>
         <p:spPr>
           <a:xfrm rot="2744400">
-            <a:off x="-280080" y="-25560"/>
-            <a:ext cx="703800" cy="703440"/>
+            <a:off x="-279720" y="-25560"/>
+            <a:ext cx="703440" cy="703080"/>
           </a:xfrm>
           <a:prstGeom prst="roundRect">
             <a:avLst>
@@ -10041,7 +10041,7 @@
         <p:spPr>
           <a:xfrm rot="2332200">
             <a:off x="6009120" y="-319680"/>
-            <a:ext cx="4854960" cy="7725960"/>
+            <a:ext cx="4854600" cy="7725600"/>
           </a:xfrm>
           <a:prstGeom prst="roundRect">
             <a:avLst>
@@ -10079,9 +10079,9 @@
         <p:grpSpPr>
           <a:xfrm>
             <a:off x="4571640" y="828000"/>
-            <a:ext cx="4467600" cy="3563640"/>
+            <a:ext cx="4467240" cy="3563280"/>
             <a:chOff x="4571640" y="828000"/>
-            <a:chExt cx="4467600" cy="3563640"/>
+            <a:chExt cx="4467240" cy="3563280"/>
           </a:xfrm>
         </p:grpSpPr>
         <p:pic>
@@ -10097,7 +10097,7 @@
           <p:spPr>
             <a:xfrm>
               <a:off x="4571640" y="828000"/>
-              <a:ext cx="4467600" cy="3563640"/>
+              <a:ext cx="4467240" cy="3563280"/>
             </a:xfrm>
             <a:prstGeom prst="rect">
               <a:avLst/>
@@ -10115,8 +10115,8 @@
           </p:nvSpPr>
           <p:spPr>
             <a:xfrm rot="16200000">
-              <a:off x="5962680" y="1159560"/>
-              <a:ext cx="1736640" cy="2770560"/>
+              <a:off x="5962680" y="1159920"/>
+              <a:ext cx="1736280" cy="2770200"/>
             </a:xfrm>
             <a:prstGeom prst="roundRect">
               <a:avLst>
@@ -10183,7 +10183,7 @@
         <p:spPr>
           <a:xfrm>
             <a:off x="5446080" y="1672200"/>
-            <a:ext cx="2770200" cy="1736640"/>
+            <a:ext cx="2769840" cy="1736280"/>
           </a:xfrm>
           <a:prstGeom prst="rect">
             <a:avLst/>
@@ -10235,7 +10235,7 @@
         <p:spPr>
           <a:xfrm>
             <a:off x="586440" y="1246680"/>
-            <a:ext cx="4003560" cy="3599280"/>
+            <a:ext cx="4003200" cy="3598920"/>
           </a:xfrm>
           <a:prstGeom prst="rect">
             <a:avLst/>
@@ -10287,7 +10287,7 @@
         <p:spPr>
           <a:xfrm>
             <a:off x="586440" y="453960"/>
-            <a:ext cx="4763520" cy="854640"/>
+            <a:ext cx="4763160" cy="854280"/>
           </a:xfrm>
           <a:prstGeom prst="rect">
             <a:avLst/>
@@ -10375,8 +10375,8 @@
         </p:nvSpPr>
         <p:spPr>
           <a:xfrm rot="2745600">
-            <a:off x="8349840" y="-668160"/>
-            <a:ext cx="1497600" cy="1497600"/>
+            <a:off x="8349840" y="-667800"/>
+            <a:ext cx="1497240" cy="1497240"/>
           </a:xfrm>
           <a:prstGeom prst="roundRect">
             <a:avLst>
@@ -10414,7 +10414,7 @@
         <p:spPr>
           <a:xfrm rot="2745600">
             <a:off x="7634160" y="-322200"/>
-            <a:ext cx="806400" cy="806760"/>
+            <a:ext cx="806040" cy="806400"/>
           </a:xfrm>
           <a:prstGeom prst="roundRect">
             <a:avLst>
@@ -10453,7 +10453,7 @@
         <p:spPr>
           <a:xfrm>
             <a:off x="586440" y="899640"/>
-            <a:ext cx="7931160" cy="1536480"/>
+            <a:ext cx="7930800" cy="1536120"/>
           </a:xfrm>
           <a:prstGeom prst="rect">
             <a:avLst/>
@@ -10505,7 +10505,7 @@
         <p:spPr>
           <a:xfrm>
             <a:off x="608040" y="2545560"/>
-            <a:ext cx="3711600" cy="2255040"/>
+            <a:ext cx="3711240" cy="2254680"/>
           </a:xfrm>
           <a:prstGeom prst="rect">
             <a:avLst/>
@@ -10557,7 +10557,7 @@
         <p:spPr>
           <a:xfrm>
             <a:off x="4806360" y="2545560"/>
-            <a:ext cx="3711600" cy="2255040"/>
+            <a:ext cx="3711240" cy="2254680"/>
           </a:xfrm>
           <a:prstGeom prst="rect">
             <a:avLst/>
@@ -10609,7 +10609,7 @@
         <p:spPr>
           <a:xfrm>
             <a:off x="583200" y="450720"/>
-            <a:ext cx="7197480" cy="511560"/>
+            <a:ext cx="7197120" cy="511200"/>
           </a:xfrm>
           <a:prstGeom prst="rect">
             <a:avLst/>
@@ -10691,7 +10691,7 @@
         <p:spPr>
           <a:xfrm>
             <a:off x="586440" y="1246680"/>
-            <a:ext cx="4003560" cy="3599280"/>
+            <a:ext cx="4003200" cy="3598920"/>
           </a:xfrm>
           <a:prstGeom prst="rect">
             <a:avLst/>
@@ -10743,7 +10743,7 @@
         <p:spPr>
           <a:xfrm>
             <a:off x="559800" y="446040"/>
-            <a:ext cx="4282920" cy="682920"/>
+            <a:ext cx="4282560" cy="682560"/>
           </a:xfrm>
           <a:prstGeom prst="rect">
             <a:avLst/>
@@ -10795,7 +10795,7 @@
         <p:spPr>
           <a:xfrm>
             <a:off x="5097600" y="360"/>
-            <a:ext cx="4379040" cy="5143320"/>
+            <a:ext cx="4378680" cy="5142960"/>
           </a:xfrm>
           <a:prstGeom prst="roundRect">
             <a:avLst>
@@ -10860,8 +10860,8 @@
         </p:nvSpPr>
         <p:spPr>
           <a:xfrm rot="2744400">
-            <a:off x="-280080" y="-25560"/>
-            <a:ext cx="703800" cy="703440"/>
+            <a:off x="-279720" y="-25560"/>
+            <a:ext cx="703440" cy="703080"/>
           </a:xfrm>
           <a:prstGeom prst="roundRect">
             <a:avLst>
@@ -10898,8 +10898,8 @@
         </p:nvSpPr>
         <p:spPr>
           <a:xfrm rot="2625600">
-            <a:off x="4861080" y="4146480"/>
-            <a:ext cx="467640" cy="467640"/>
+            <a:off x="4861080" y="4146120"/>
+            <a:ext cx="467280" cy="467280"/>
           </a:xfrm>
           <a:prstGeom prst="roundRect">
             <a:avLst>
@@ -10973,8 +10973,8 @@
         </p:nvSpPr>
         <p:spPr>
           <a:xfrm rot="2744400">
-            <a:off x="-349200" y="4539600"/>
-            <a:ext cx="703800" cy="703440"/>
+            <a:off x="-348840" y="4539240"/>
+            <a:ext cx="703440" cy="703080"/>
           </a:xfrm>
           <a:prstGeom prst="roundRect">
             <a:avLst>
@@ -11011,8 +11011,8 @@
         </p:nvSpPr>
         <p:spPr>
           <a:xfrm rot="19228200">
-            <a:off x="5845680" y="-2265840"/>
-            <a:ext cx="4854600" cy="7725600"/>
+            <a:off x="5845680" y="-2265480"/>
+            <a:ext cx="4854240" cy="7725240"/>
           </a:xfrm>
           <a:prstGeom prst="roundRect">
             <a:avLst>
@@ -11050,9 +11050,9 @@
         <p:grpSpPr>
           <a:xfrm>
             <a:off x="4571640" y="828000"/>
-            <a:ext cx="4467600" cy="3563640"/>
+            <a:ext cx="4467240" cy="3563280"/>
             <a:chOff x="4571640" y="828000"/>
-            <a:chExt cx="4467600" cy="3563640"/>
+            <a:chExt cx="4467240" cy="3563280"/>
           </a:xfrm>
         </p:grpSpPr>
         <p:pic>
@@ -11068,7 +11068,7 @@
           <p:spPr>
             <a:xfrm>
               <a:off x="4571640" y="828000"/>
-              <a:ext cx="4467600" cy="3563640"/>
+              <a:ext cx="4467240" cy="3563280"/>
             </a:xfrm>
             <a:prstGeom prst="rect">
               <a:avLst/>
@@ -11086,8 +11086,8 @@
           </p:nvSpPr>
           <p:spPr>
             <a:xfrm rot="16200000">
-              <a:off x="5962680" y="1159560"/>
-              <a:ext cx="1736640" cy="2770560"/>
+              <a:off x="5962680" y="1159920"/>
+              <a:ext cx="1736280" cy="2770200"/>
             </a:xfrm>
             <a:prstGeom prst="roundRect">
               <a:avLst>
@@ -11154,7 +11154,7 @@
         <p:spPr>
           <a:xfrm>
             <a:off x="586440" y="1246680"/>
-            <a:ext cx="4003560" cy="3599280"/>
+            <a:ext cx="4003200" cy="3598920"/>
           </a:xfrm>
           <a:prstGeom prst="rect">
             <a:avLst/>
@@ -11206,7 +11206,7 @@
         <p:spPr>
           <a:xfrm>
             <a:off x="5446080" y="1672200"/>
-            <a:ext cx="2779560" cy="1736640"/>
+            <a:ext cx="2779200" cy="1736280"/>
           </a:xfrm>
           <a:prstGeom prst="rect">
             <a:avLst/>
@@ -11258,7 +11258,7 @@
         <p:spPr>
           <a:xfrm>
             <a:off x="586440" y="453960"/>
-            <a:ext cx="3696120" cy="854640"/>
+            <a:ext cx="3695760" cy="854280"/>
           </a:xfrm>
           <a:prstGeom prst="rect">
             <a:avLst/>
@@ -11347,7 +11347,7 @@
         <p:spPr>
           <a:xfrm>
             <a:off x="4222080" y="1246680"/>
-            <a:ext cx="4114440" cy="3599280"/>
+            <a:ext cx="4114080" cy="3598920"/>
           </a:xfrm>
           <a:prstGeom prst="rect">
             <a:avLst/>
@@ -11398,8 +11398,8 @@
         </p:nvSpPr>
         <p:spPr>
           <a:xfrm rot="16200000">
-            <a:off x="-2181600" y="1734120"/>
-            <a:ext cx="5143320" cy="1683360"/>
+            <a:off x="-2181600" y="1734480"/>
+            <a:ext cx="5142960" cy="1683000"/>
           </a:xfrm>
           <a:prstGeom prst="roundRect">
             <a:avLst>
@@ -11436,8 +11436,8 @@
         </p:nvSpPr>
         <p:spPr>
           <a:xfrm rot="2745000">
-            <a:off x="8575200" y="103320"/>
-            <a:ext cx="1131840" cy="1131480"/>
+            <a:off x="8575200" y="102960"/>
+            <a:ext cx="1131480" cy="1131120"/>
           </a:xfrm>
           <a:prstGeom prst="roundRect">
             <a:avLst>
@@ -11474,8 +11474,8 @@
         </p:nvSpPr>
         <p:spPr>
           <a:xfrm rot="16200000">
-            <a:off x="614880" y="919440"/>
-            <a:ext cx="3231360" cy="3313080"/>
+            <a:off x="614880" y="919800"/>
+            <a:ext cx="3231000" cy="3312720"/>
           </a:xfrm>
           <a:prstGeom prst="roundRect">
             <a:avLst>
@@ -11541,7 +11541,7 @@
         <p:spPr>
           <a:xfrm>
             <a:off x="4214160" y="456120"/>
-            <a:ext cx="4111200" cy="854640"/>
+            <a:ext cx="4110840" cy="854280"/>
           </a:xfrm>
           <a:prstGeom prst="rect">
             <a:avLst/>
@@ -11629,8 +11629,8 @@
         </p:nvSpPr>
         <p:spPr>
           <a:xfrm rot="2744400">
-            <a:off x="-280080" y="-25560"/>
-            <a:ext cx="703800" cy="703440"/>
+            <a:off x="-279720" y="-25560"/>
+            <a:ext cx="703440" cy="703080"/>
           </a:xfrm>
           <a:prstGeom prst="roundRect">
             <a:avLst>
@@ -11668,7 +11668,7 @@
         <p:spPr>
           <a:xfrm rot="2332200">
             <a:off x="6009120" y="-319680"/>
-            <a:ext cx="4854960" cy="7725960"/>
+            <a:ext cx="4854600" cy="7725600"/>
           </a:xfrm>
           <a:prstGeom prst="roundRect">
             <a:avLst>
@@ -11706,9 +11706,9 @@
         <p:grpSpPr>
           <a:xfrm>
             <a:off x="4571640" y="828000"/>
-            <a:ext cx="4467600" cy="3563640"/>
+            <a:ext cx="4467240" cy="3563280"/>
             <a:chOff x="4571640" y="828000"/>
-            <a:chExt cx="4467600" cy="3563640"/>
+            <a:chExt cx="4467240" cy="3563280"/>
           </a:xfrm>
         </p:grpSpPr>
         <p:pic>
@@ -11724,7 +11724,7 @@
           <p:spPr>
             <a:xfrm>
               <a:off x="4571640" y="828000"/>
-              <a:ext cx="4467600" cy="3563640"/>
+              <a:ext cx="4467240" cy="3563280"/>
             </a:xfrm>
             <a:prstGeom prst="rect">
               <a:avLst/>
@@ -11742,8 +11742,8 @@
           </p:nvSpPr>
           <p:spPr>
             <a:xfrm rot="16200000">
-              <a:off x="5962680" y="1159560"/>
-              <a:ext cx="1736640" cy="2770560"/>
+              <a:off x="5962680" y="1159920"/>
+              <a:ext cx="1736280" cy="2770200"/>
             </a:xfrm>
             <a:prstGeom prst="roundRect">
               <a:avLst>
@@ -11810,7 +11810,7 @@
         <p:spPr>
           <a:xfrm>
             <a:off x="5446080" y="1672200"/>
-            <a:ext cx="2770200" cy="1736640"/>
+            <a:ext cx="2769840" cy="1736280"/>
           </a:xfrm>
           <a:prstGeom prst="rect">
             <a:avLst/>
@@ -11862,7 +11862,7 @@
         <p:spPr>
           <a:xfrm>
             <a:off x="586440" y="1246680"/>
-            <a:ext cx="4003560" cy="3599280"/>
+            <a:ext cx="4003200" cy="3598920"/>
           </a:xfrm>
           <a:prstGeom prst="rect">
             <a:avLst/>
@@ -11914,7 +11914,7 @@
         <p:spPr>
           <a:xfrm>
             <a:off x="586440" y="453960"/>
-            <a:ext cx="4763520" cy="854640"/>
+            <a:ext cx="4763160" cy="854280"/>
           </a:xfrm>
           <a:prstGeom prst="rect">
             <a:avLst/>
@@ -12002,8 +12002,8 @@
         </p:nvSpPr>
         <p:spPr>
           <a:xfrm rot="2745600">
-            <a:off x="8349840" y="-668160"/>
-            <a:ext cx="1497600" cy="1497600"/>
+            <a:off x="8349840" y="-667800"/>
+            <a:ext cx="1497240" cy="1497240"/>
           </a:xfrm>
           <a:prstGeom prst="roundRect">
             <a:avLst>
@@ -12041,7 +12041,7 @@
         <p:spPr>
           <a:xfrm rot="2745600">
             <a:off x="7634160" y="-322200"/>
-            <a:ext cx="806400" cy="806760"/>
+            <a:ext cx="806040" cy="806400"/>
           </a:xfrm>
           <a:prstGeom prst="roundRect">
             <a:avLst>
@@ -12080,7 +12080,7 @@
         <p:spPr>
           <a:xfrm>
             <a:off x="586440" y="899640"/>
-            <a:ext cx="7931160" cy="1536480"/>
+            <a:ext cx="7930800" cy="1536120"/>
           </a:xfrm>
           <a:prstGeom prst="rect">
             <a:avLst/>
@@ -12132,7 +12132,7 @@
         <p:spPr>
           <a:xfrm>
             <a:off x="608040" y="2545560"/>
-            <a:ext cx="3711600" cy="2255040"/>
+            <a:ext cx="3711240" cy="2254680"/>
           </a:xfrm>
           <a:prstGeom prst="rect">
             <a:avLst/>
@@ -12184,7 +12184,7 @@
         <p:spPr>
           <a:xfrm>
             <a:off x="4806360" y="2545560"/>
-            <a:ext cx="3711600" cy="2255040"/>
+            <a:ext cx="3711240" cy="2254680"/>
           </a:xfrm>
           <a:prstGeom prst="rect">
             <a:avLst/>
@@ -12236,7 +12236,7 @@
         <p:spPr>
           <a:xfrm>
             <a:off x="583200" y="450720"/>
-            <a:ext cx="7197480" cy="511560"/>
+            <a:ext cx="7197120" cy="511200"/>
           </a:xfrm>
           <a:prstGeom prst="rect">
             <a:avLst/>
@@ -12318,7 +12318,7 @@
         <p:spPr>
           <a:xfrm>
             <a:off x="586440" y="1246680"/>
-            <a:ext cx="4003560" cy="3599280"/>
+            <a:ext cx="4003200" cy="3598920"/>
           </a:xfrm>
           <a:prstGeom prst="rect">
             <a:avLst/>
@@ -12370,7 +12370,7 @@
         <p:spPr>
           <a:xfrm>
             <a:off x="559800" y="446040"/>
-            <a:ext cx="4282920" cy="682920"/>
+            <a:ext cx="4282560" cy="682560"/>
           </a:xfrm>
           <a:prstGeom prst="rect">
             <a:avLst/>
@@ -12422,7 +12422,7 @@
         <p:spPr>
           <a:xfrm>
             <a:off x="5097600" y="360"/>
-            <a:ext cx="4379040" cy="5143320"/>
+            <a:ext cx="4378680" cy="5142960"/>
           </a:xfrm>
           <a:prstGeom prst="roundRect">
             <a:avLst>
@@ -12487,8 +12487,8 @@
         </p:nvSpPr>
         <p:spPr>
           <a:xfrm rot="2744400">
-            <a:off x="-280080" y="-25560"/>
-            <a:ext cx="703800" cy="703440"/>
+            <a:off x="-279720" y="-25560"/>
+            <a:ext cx="703440" cy="703080"/>
           </a:xfrm>
           <a:prstGeom prst="roundRect">
             <a:avLst>
@@ -12525,8 +12525,8 @@
         </p:nvSpPr>
         <p:spPr>
           <a:xfrm rot="2625600">
-            <a:off x="4861080" y="4146480"/>
-            <a:ext cx="467640" cy="467640"/>
+            <a:off x="4861080" y="4146120"/>
+            <a:ext cx="467280" cy="467280"/>
           </a:xfrm>
           <a:prstGeom prst="roundRect">
             <a:avLst>
@@ -12600,8 +12600,8 @@
         </p:nvSpPr>
         <p:spPr>
           <a:xfrm rot="2744400">
-            <a:off x="-349200" y="4539600"/>
-            <a:ext cx="703800" cy="703440"/>
+            <a:off x="-348840" y="4539240"/>
+            <a:ext cx="703440" cy="703080"/>
           </a:xfrm>
           <a:prstGeom prst="roundRect">
             <a:avLst>
@@ -12638,8 +12638,8 @@
         </p:nvSpPr>
         <p:spPr>
           <a:xfrm rot="19228200">
-            <a:off x="5845680" y="-2265840"/>
-            <a:ext cx="4854600" cy="7725600"/>
+            <a:off x="5845680" y="-2265480"/>
+            <a:ext cx="4854240" cy="7725240"/>
           </a:xfrm>
           <a:prstGeom prst="roundRect">
             <a:avLst>
@@ -12677,9 +12677,9 @@
         <p:grpSpPr>
           <a:xfrm>
             <a:off x="4571640" y="828000"/>
-            <a:ext cx="4467600" cy="3563640"/>
+            <a:ext cx="4467240" cy="3563280"/>
             <a:chOff x="4571640" y="828000"/>
-            <a:chExt cx="4467600" cy="3563640"/>
+            <a:chExt cx="4467240" cy="3563280"/>
           </a:xfrm>
         </p:grpSpPr>
         <p:pic>
@@ -12695,7 +12695,7 @@
           <p:spPr>
             <a:xfrm>
               <a:off x="4571640" y="828000"/>
-              <a:ext cx="4467600" cy="3563640"/>
+              <a:ext cx="4467240" cy="3563280"/>
             </a:xfrm>
             <a:prstGeom prst="rect">
               <a:avLst/>
@@ -12713,8 +12713,8 @@
           </p:nvSpPr>
           <p:spPr>
             <a:xfrm rot="16200000">
-              <a:off x="5962680" y="1159560"/>
-              <a:ext cx="1736640" cy="2770560"/>
+              <a:off x="5962680" y="1159920"/>
+              <a:ext cx="1736280" cy="2770200"/>
             </a:xfrm>
             <a:prstGeom prst="roundRect">
               <a:avLst>
@@ -12781,7 +12781,7 @@
         <p:spPr>
           <a:xfrm>
             <a:off x="586440" y="1246680"/>
-            <a:ext cx="4003560" cy="3599280"/>
+            <a:ext cx="4003200" cy="3598920"/>
           </a:xfrm>
           <a:prstGeom prst="rect">
             <a:avLst/>
@@ -12833,7 +12833,7 @@
         <p:spPr>
           <a:xfrm>
             <a:off x="5446080" y="1672200"/>
-            <a:ext cx="2779560" cy="1736640"/>
+            <a:ext cx="2779200" cy="1736280"/>
           </a:xfrm>
           <a:prstGeom prst="rect">
             <a:avLst/>
@@ -12885,7 +12885,7 @@
         <p:spPr>
           <a:xfrm>
             <a:off x="586440" y="453960"/>
-            <a:ext cx="3696120" cy="854640"/>
+            <a:ext cx="3695760" cy="854280"/>
           </a:xfrm>
           <a:prstGeom prst="rect">
             <a:avLst/>
@@ -12974,7 +12974,7 @@
         <p:spPr>
           <a:xfrm>
             <a:off x="4222080" y="1246680"/>
-            <a:ext cx="4114440" cy="3599280"/>
+            <a:ext cx="4114080" cy="3598920"/>
           </a:xfrm>
           <a:prstGeom prst="rect">
             <a:avLst/>
@@ -13025,8 +13025,8 @@
         </p:nvSpPr>
         <p:spPr>
           <a:xfrm rot="16200000">
-            <a:off x="-2181600" y="1734120"/>
-            <a:ext cx="5143320" cy="1683360"/>
+            <a:off x="-2181600" y="1734480"/>
+            <a:ext cx="5142960" cy="1683000"/>
           </a:xfrm>
           <a:prstGeom prst="roundRect">
             <a:avLst>
@@ -13063,8 +13063,8 @@
         </p:nvSpPr>
         <p:spPr>
           <a:xfrm rot="2745000">
-            <a:off x="8575200" y="103320"/>
-            <a:ext cx="1131840" cy="1131480"/>
+            <a:off x="8575200" y="102960"/>
+            <a:ext cx="1131480" cy="1131120"/>
           </a:xfrm>
           <a:prstGeom prst="roundRect">
             <a:avLst>
@@ -13101,8 +13101,8 @@
         </p:nvSpPr>
         <p:spPr>
           <a:xfrm rot="16200000">
-            <a:off x="614880" y="919440"/>
-            <a:ext cx="3231360" cy="3313080"/>
+            <a:off x="614880" y="919800"/>
+            <a:ext cx="3231000" cy="3312720"/>
           </a:xfrm>
           <a:prstGeom prst="roundRect">
             <a:avLst>
@@ -13168,7 +13168,7 @@
         <p:spPr>
           <a:xfrm>
             <a:off x="4214160" y="456120"/>
-            <a:ext cx="4111200" cy="854640"/>
+            <a:ext cx="4110840" cy="854280"/>
           </a:xfrm>
           <a:prstGeom prst="rect">
             <a:avLst/>
@@ -13250,7 +13250,7 @@
         <p:spPr>
           <a:xfrm>
             <a:off x="586440" y="1246680"/>
-            <a:ext cx="4003560" cy="3599280"/>
+            <a:ext cx="4003200" cy="3598920"/>
           </a:xfrm>
           <a:prstGeom prst="rect">
             <a:avLst/>
@@ -13302,7 +13302,7 @@
         <p:spPr>
           <a:xfrm>
             <a:off x="559800" y="446040"/>
-            <a:ext cx="4282920" cy="682920"/>
+            <a:ext cx="4282560" cy="682560"/>
           </a:xfrm>
           <a:prstGeom prst="rect">
             <a:avLst/>
@@ -13354,7 +13354,7 @@
         <p:spPr>
           <a:xfrm>
             <a:off x="5097600" y="360"/>
-            <a:ext cx="4379040" cy="5143320"/>
+            <a:ext cx="4378680" cy="5142960"/>
           </a:xfrm>
           <a:prstGeom prst="roundRect">
             <a:avLst>
@@ -13419,8 +13419,8 @@
         </p:nvSpPr>
         <p:spPr>
           <a:xfrm rot="2744400">
-            <a:off x="-280080" y="-25560"/>
-            <a:ext cx="703800" cy="703440"/>
+            <a:off x="-279720" y="-25560"/>
+            <a:ext cx="703440" cy="703080"/>
           </a:xfrm>
           <a:prstGeom prst="roundRect">
             <a:avLst>
@@ -13457,8 +13457,8 @@
         </p:nvSpPr>
         <p:spPr>
           <a:xfrm rot="2625600">
-            <a:off x="4861080" y="4146480"/>
-            <a:ext cx="467640" cy="467640"/>
+            <a:off x="4861080" y="4146120"/>
+            <a:ext cx="467280" cy="467280"/>
           </a:xfrm>
           <a:prstGeom prst="roundRect">
             <a:avLst>
@@ -13532,8 +13532,8 @@
         </p:nvSpPr>
         <p:spPr>
           <a:xfrm rot="2744400">
-            <a:off x="-280080" y="-25560"/>
-            <a:ext cx="703800" cy="703440"/>
+            <a:off x="-279720" y="-25560"/>
+            <a:ext cx="703440" cy="703080"/>
           </a:xfrm>
           <a:prstGeom prst="roundRect">
             <a:avLst>
@@ -13571,7 +13571,7 @@
         <p:spPr>
           <a:xfrm rot="2332200">
             <a:off x="6009120" y="-319680"/>
-            <a:ext cx="4854960" cy="7725960"/>
+            <a:ext cx="4854600" cy="7725600"/>
           </a:xfrm>
           <a:prstGeom prst="roundRect">
             <a:avLst>
@@ -13609,9 +13609,9 @@
         <p:grpSpPr>
           <a:xfrm>
             <a:off x="4571640" y="828000"/>
-            <a:ext cx="4467600" cy="3563640"/>
+            <a:ext cx="4467240" cy="3563280"/>
             <a:chOff x="4571640" y="828000"/>
-            <a:chExt cx="4467600" cy="3563640"/>
+            <a:chExt cx="4467240" cy="3563280"/>
           </a:xfrm>
         </p:grpSpPr>
         <p:pic>
@@ -13627,7 +13627,7 @@
           <p:spPr>
             <a:xfrm>
               <a:off x="4571640" y="828000"/>
-              <a:ext cx="4467600" cy="3563640"/>
+              <a:ext cx="4467240" cy="3563280"/>
             </a:xfrm>
             <a:prstGeom prst="rect">
               <a:avLst/>
@@ -13645,8 +13645,8 @@
           </p:nvSpPr>
           <p:spPr>
             <a:xfrm rot="16200000">
-              <a:off x="5962680" y="1159560"/>
-              <a:ext cx="1736640" cy="2770560"/>
+              <a:off x="5962680" y="1159920"/>
+              <a:ext cx="1736280" cy="2770200"/>
             </a:xfrm>
             <a:prstGeom prst="roundRect">
               <a:avLst>
@@ -13713,7 +13713,7 @@
         <p:spPr>
           <a:xfrm>
             <a:off x="5446080" y="1672200"/>
-            <a:ext cx="2770200" cy="1736640"/>
+            <a:ext cx="2769840" cy="1736280"/>
           </a:xfrm>
           <a:prstGeom prst="rect">
             <a:avLst/>
@@ -13765,7 +13765,7 @@
         <p:spPr>
           <a:xfrm>
             <a:off x="586440" y="1246680"/>
-            <a:ext cx="4003560" cy="3599280"/>
+            <a:ext cx="4003200" cy="3598920"/>
           </a:xfrm>
           <a:prstGeom prst="rect">
             <a:avLst/>
@@ -13817,7 +13817,7 @@
         <p:spPr>
           <a:xfrm>
             <a:off x="586440" y="453960"/>
-            <a:ext cx="4763520" cy="854640"/>
+            <a:ext cx="4763160" cy="854280"/>
           </a:xfrm>
           <a:prstGeom prst="rect">
             <a:avLst/>
@@ -13905,8 +13905,8 @@
         </p:nvSpPr>
         <p:spPr>
           <a:xfrm rot="2745600">
-            <a:off x="8349840" y="-668160"/>
-            <a:ext cx="1497600" cy="1497600"/>
+            <a:off x="8349840" y="-667800"/>
+            <a:ext cx="1497240" cy="1497240"/>
           </a:xfrm>
           <a:prstGeom prst="roundRect">
             <a:avLst>
@@ -13944,7 +13944,7 @@
         <p:spPr>
           <a:xfrm rot="2745600">
             <a:off x="7634160" y="-322200"/>
-            <a:ext cx="806400" cy="806760"/>
+            <a:ext cx="806040" cy="806400"/>
           </a:xfrm>
           <a:prstGeom prst="roundRect">
             <a:avLst>
@@ -13983,7 +13983,7 @@
         <p:spPr>
           <a:xfrm>
             <a:off x="586440" y="899640"/>
-            <a:ext cx="7931160" cy="1536480"/>
+            <a:ext cx="7930800" cy="1536120"/>
           </a:xfrm>
           <a:prstGeom prst="rect">
             <a:avLst/>
@@ -14035,7 +14035,7 @@
         <p:spPr>
           <a:xfrm>
             <a:off x="608040" y="2545560"/>
-            <a:ext cx="3711600" cy="2255040"/>
+            <a:ext cx="3711240" cy="2254680"/>
           </a:xfrm>
           <a:prstGeom prst="rect">
             <a:avLst/>
@@ -14087,7 +14087,7 @@
         <p:spPr>
           <a:xfrm>
             <a:off x="4806360" y="2545560"/>
-            <a:ext cx="3711600" cy="2255040"/>
+            <a:ext cx="3711240" cy="2254680"/>
           </a:xfrm>
           <a:prstGeom prst="rect">
             <a:avLst/>
@@ -14139,7 +14139,7 @@
         <p:spPr>
           <a:xfrm>
             <a:off x="583200" y="450720"/>
-            <a:ext cx="7197480" cy="511560"/>
+            <a:ext cx="7197120" cy="511200"/>
           </a:xfrm>
           <a:prstGeom prst="rect">
             <a:avLst/>
@@ -14221,7 +14221,7 @@
         <p:spPr>
           <a:xfrm>
             <a:off x="586440" y="1246680"/>
-            <a:ext cx="4003560" cy="3599280"/>
+            <a:ext cx="4003200" cy="3598920"/>
           </a:xfrm>
           <a:prstGeom prst="rect">
             <a:avLst/>
@@ -14273,7 +14273,7 @@
         <p:spPr>
           <a:xfrm>
             <a:off x="559800" y="446040"/>
-            <a:ext cx="4282920" cy="682920"/>
+            <a:ext cx="4282560" cy="682560"/>
           </a:xfrm>
           <a:prstGeom prst="rect">
             <a:avLst/>
@@ -14325,7 +14325,7 @@
         <p:spPr>
           <a:xfrm>
             <a:off x="5097600" y="360"/>
-            <a:ext cx="4379040" cy="5143320"/>
+            <a:ext cx="4378680" cy="5142960"/>
           </a:xfrm>
           <a:prstGeom prst="roundRect">
             <a:avLst>
@@ -14390,8 +14390,8 @@
         </p:nvSpPr>
         <p:spPr>
           <a:xfrm rot="2744400">
-            <a:off x="-280080" y="-25560"/>
-            <a:ext cx="703800" cy="703440"/>
+            <a:off x="-279720" y="-25560"/>
+            <a:ext cx="703440" cy="703080"/>
           </a:xfrm>
           <a:prstGeom prst="roundRect">
             <a:avLst>
@@ -14428,8 +14428,8 @@
         </p:nvSpPr>
         <p:spPr>
           <a:xfrm rot="2625600">
-            <a:off x="4861080" y="4146480"/>
-            <a:ext cx="467640" cy="467640"/>
+            <a:off x="4861080" y="4146120"/>
+            <a:ext cx="467280" cy="467280"/>
           </a:xfrm>
           <a:prstGeom prst="roundRect">
             <a:avLst>
@@ -14503,8 +14503,8 @@
         </p:nvSpPr>
         <p:spPr>
           <a:xfrm rot="2744400">
-            <a:off x="-349200" y="4539600"/>
-            <a:ext cx="703800" cy="703440"/>
+            <a:off x="-348840" y="4539240"/>
+            <a:ext cx="703440" cy="703080"/>
           </a:xfrm>
           <a:prstGeom prst="roundRect">
             <a:avLst>
@@ -14541,8 +14541,8 @@
         </p:nvSpPr>
         <p:spPr>
           <a:xfrm rot="19228200">
-            <a:off x="5845680" y="-2265840"/>
-            <a:ext cx="4854600" cy="7725600"/>
+            <a:off x="5845680" y="-2265480"/>
+            <a:ext cx="4854240" cy="7725240"/>
           </a:xfrm>
           <a:prstGeom prst="roundRect">
             <a:avLst>
@@ -14580,9 +14580,9 @@
         <p:grpSpPr>
           <a:xfrm>
             <a:off x="4571640" y="828000"/>
-            <a:ext cx="4467600" cy="3563640"/>
+            <a:ext cx="4467240" cy="3563280"/>
             <a:chOff x="4571640" y="828000"/>
-            <a:chExt cx="4467600" cy="3563640"/>
+            <a:chExt cx="4467240" cy="3563280"/>
           </a:xfrm>
         </p:grpSpPr>
         <p:pic>
@@ -14598,7 +14598,7 @@
           <p:spPr>
             <a:xfrm>
               <a:off x="4571640" y="828000"/>
-              <a:ext cx="4467600" cy="3563640"/>
+              <a:ext cx="4467240" cy="3563280"/>
             </a:xfrm>
             <a:prstGeom prst="rect">
               <a:avLst/>
@@ -14616,8 +14616,8 @@
           </p:nvSpPr>
           <p:spPr>
             <a:xfrm rot="16200000">
-              <a:off x="5962680" y="1159560"/>
-              <a:ext cx="1736640" cy="2770560"/>
+              <a:off x="5962680" y="1159920"/>
+              <a:ext cx="1736280" cy="2770200"/>
             </a:xfrm>
             <a:prstGeom prst="roundRect">
               <a:avLst>
@@ -14684,7 +14684,7 @@
         <p:spPr>
           <a:xfrm>
             <a:off x="586440" y="1246680"/>
-            <a:ext cx="4003560" cy="3599280"/>
+            <a:ext cx="4003200" cy="3598920"/>
           </a:xfrm>
           <a:prstGeom prst="rect">
             <a:avLst/>
@@ -14736,7 +14736,7 @@
         <p:spPr>
           <a:xfrm>
             <a:off x="5446080" y="1672200"/>
-            <a:ext cx="2779560" cy="1736640"/>
+            <a:ext cx="2779200" cy="1736280"/>
           </a:xfrm>
           <a:prstGeom prst="rect">
             <a:avLst/>
@@ -14788,7 +14788,7 @@
         <p:spPr>
           <a:xfrm>
             <a:off x="586440" y="453960"/>
-            <a:ext cx="3696120" cy="854640"/>
+            <a:ext cx="3695760" cy="854280"/>
           </a:xfrm>
           <a:prstGeom prst="rect">
             <a:avLst/>
@@ -14877,7 +14877,7 @@
         <p:spPr>
           <a:xfrm>
             <a:off x="4222080" y="1246680"/>
-            <a:ext cx="4114440" cy="3599280"/>
+            <a:ext cx="4114080" cy="3598920"/>
           </a:xfrm>
           <a:prstGeom prst="rect">
             <a:avLst/>
@@ -14928,8 +14928,8 @@
         </p:nvSpPr>
         <p:spPr>
           <a:xfrm rot="16200000">
-            <a:off x="-2181600" y="1734120"/>
-            <a:ext cx="5143320" cy="1683360"/>
+            <a:off x="-2181600" y="1734480"/>
+            <a:ext cx="5142960" cy="1683000"/>
           </a:xfrm>
           <a:prstGeom prst="roundRect">
             <a:avLst>
@@ -14966,8 +14966,8 @@
         </p:nvSpPr>
         <p:spPr>
           <a:xfrm rot="2745000">
-            <a:off x="8575200" y="103320"/>
-            <a:ext cx="1131840" cy="1131480"/>
+            <a:off x="8575200" y="102960"/>
+            <a:ext cx="1131480" cy="1131120"/>
           </a:xfrm>
           <a:prstGeom prst="roundRect">
             <a:avLst>
@@ -15004,8 +15004,8 @@
         </p:nvSpPr>
         <p:spPr>
           <a:xfrm rot="16200000">
-            <a:off x="614880" y="919440"/>
-            <a:ext cx="3231360" cy="3313080"/>
+            <a:off x="614880" y="919800"/>
+            <a:ext cx="3231000" cy="3312720"/>
           </a:xfrm>
           <a:prstGeom prst="roundRect">
             <a:avLst>
@@ -15071,7 +15071,7 @@
         <p:spPr>
           <a:xfrm>
             <a:off x="4214160" y="456120"/>
-            <a:ext cx="4111200" cy="854640"/>
+            <a:ext cx="4110840" cy="854280"/>
           </a:xfrm>
           <a:prstGeom prst="rect">
             <a:avLst/>
@@ -15159,8 +15159,8 @@
         </p:nvSpPr>
         <p:spPr>
           <a:xfrm rot="2744400">
-            <a:off x="-280080" y="-25560"/>
-            <a:ext cx="703800" cy="703440"/>
+            <a:off x="-279720" y="-25560"/>
+            <a:ext cx="703440" cy="703080"/>
           </a:xfrm>
           <a:prstGeom prst="roundRect">
             <a:avLst>
@@ -15198,7 +15198,7 @@
         <p:spPr>
           <a:xfrm rot="2332200">
             <a:off x="6009120" y="-319680"/>
-            <a:ext cx="4854960" cy="7725960"/>
+            <a:ext cx="4854600" cy="7725600"/>
           </a:xfrm>
           <a:prstGeom prst="roundRect">
             <a:avLst>
@@ -15236,9 +15236,9 @@
         <p:grpSpPr>
           <a:xfrm>
             <a:off x="4571640" y="828000"/>
-            <a:ext cx="4467600" cy="3563640"/>
+            <a:ext cx="4467240" cy="3563280"/>
             <a:chOff x="4571640" y="828000"/>
-            <a:chExt cx="4467600" cy="3563640"/>
+            <a:chExt cx="4467240" cy="3563280"/>
           </a:xfrm>
         </p:grpSpPr>
         <p:pic>
@@ -15254,7 +15254,7 @@
           <p:spPr>
             <a:xfrm>
               <a:off x="4571640" y="828000"/>
-              <a:ext cx="4467600" cy="3563640"/>
+              <a:ext cx="4467240" cy="3563280"/>
             </a:xfrm>
             <a:prstGeom prst="rect">
               <a:avLst/>
@@ -15272,8 +15272,8 @@
           </p:nvSpPr>
           <p:spPr>
             <a:xfrm rot="16200000">
-              <a:off x="5962680" y="1159560"/>
-              <a:ext cx="1736640" cy="2770560"/>
+              <a:off x="5962680" y="1159920"/>
+              <a:ext cx="1736280" cy="2770200"/>
             </a:xfrm>
             <a:prstGeom prst="roundRect">
               <a:avLst>
@@ -15340,7 +15340,7 @@
         <p:spPr>
           <a:xfrm>
             <a:off x="5446080" y="1672200"/>
-            <a:ext cx="2770200" cy="1736640"/>
+            <a:ext cx="2769840" cy="1736280"/>
           </a:xfrm>
           <a:prstGeom prst="rect">
             <a:avLst/>
@@ -15392,7 +15392,7 @@
         <p:spPr>
           <a:xfrm>
             <a:off x="586440" y="1246680"/>
-            <a:ext cx="4003560" cy="3599280"/>
+            <a:ext cx="4003200" cy="3598920"/>
           </a:xfrm>
           <a:prstGeom prst="rect">
             <a:avLst/>
@@ -15444,7 +15444,7 @@
         <p:spPr>
           <a:xfrm>
             <a:off x="586440" y="453960"/>
-            <a:ext cx="4763520" cy="854640"/>
+            <a:ext cx="4763160" cy="854280"/>
           </a:xfrm>
           <a:prstGeom prst="rect">
             <a:avLst/>
@@ -15532,8 +15532,8 @@
         </p:nvSpPr>
         <p:spPr>
           <a:xfrm rot="2745600">
-            <a:off x="8349840" y="-668160"/>
-            <a:ext cx="1497600" cy="1497600"/>
+            <a:off x="8349840" y="-667800"/>
+            <a:ext cx="1497240" cy="1497240"/>
           </a:xfrm>
           <a:prstGeom prst="roundRect">
             <a:avLst>
@@ -15571,7 +15571,7 @@
         <p:spPr>
           <a:xfrm rot="2745600">
             <a:off x="7634160" y="-322200"/>
-            <a:ext cx="806400" cy="806760"/>
+            <a:ext cx="806040" cy="806400"/>
           </a:xfrm>
           <a:prstGeom prst="roundRect">
             <a:avLst>
@@ -15610,7 +15610,7 @@
         <p:spPr>
           <a:xfrm>
             <a:off x="586440" y="899640"/>
-            <a:ext cx="7931160" cy="1536480"/>
+            <a:ext cx="7930800" cy="1536120"/>
           </a:xfrm>
           <a:prstGeom prst="rect">
             <a:avLst/>
@@ -15662,7 +15662,7 @@
         <p:spPr>
           <a:xfrm>
             <a:off x="608040" y="2545560"/>
-            <a:ext cx="3711600" cy="2255040"/>
+            <a:ext cx="3711240" cy="2254680"/>
           </a:xfrm>
           <a:prstGeom prst="rect">
             <a:avLst/>
@@ -15714,7 +15714,7 @@
         <p:spPr>
           <a:xfrm>
             <a:off x="4806360" y="2545560"/>
-            <a:ext cx="3711600" cy="2255040"/>
+            <a:ext cx="3711240" cy="2254680"/>
           </a:xfrm>
           <a:prstGeom prst="rect">
             <a:avLst/>
@@ -15766,7 +15766,7 @@
         <p:spPr>
           <a:xfrm>
             <a:off x="583200" y="450720"/>
-            <a:ext cx="7197480" cy="511560"/>
+            <a:ext cx="7197120" cy="511200"/>
           </a:xfrm>
           <a:prstGeom prst="rect">
             <a:avLst/>
@@ -15848,7 +15848,7 @@
         <p:spPr>
           <a:xfrm>
             <a:off x="586440" y="1246680"/>
-            <a:ext cx="4003560" cy="3599280"/>
+            <a:ext cx="4003200" cy="3598920"/>
           </a:xfrm>
           <a:prstGeom prst="rect">
             <a:avLst/>
@@ -15900,7 +15900,7 @@
         <p:spPr>
           <a:xfrm>
             <a:off x="559800" y="446040"/>
-            <a:ext cx="4282920" cy="682920"/>
+            <a:ext cx="4282560" cy="682560"/>
           </a:xfrm>
           <a:prstGeom prst="rect">
             <a:avLst/>
@@ -15952,7 +15952,7 @@
         <p:spPr>
           <a:xfrm>
             <a:off x="5097600" y="360"/>
-            <a:ext cx="4379040" cy="5143320"/>
+            <a:ext cx="4378680" cy="5142960"/>
           </a:xfrm>
           <a:prstGeom prst="roundRect">
             <a:avLst>
@@ -16017,8 +16017,8 @@
         </p:nvSpPr>
         <p:spPr>
           <a:xfrm rot="2744400">
-            <a:off x="-280080" y="-25560"/>
-            <a:ext cx="703800" cy="703440"/>
+            <a:off x="-279720" y="-25560"/>
+            <a:ext cx="703440" cy="703080"/>
           </a:xfrm>
           <a:prstGeom prst="roundRect">
             <a:avLst>
@@ -16055,8 +16055,8 @@
         </p:nvSpPr>
         <p:spPr>
           <a:xfrm rot="2625600">
-            <a:off x="4861080" y="4146480"/>
-            <a:ext cx="467640" cy="467640"/>
+            <a:off x="4861080" y="4146120"/>
+            <a:ext cx="467280" cy="467280"/>
           </a:xfrm>
           <a:prstGeom prst="roundRect">
             <a:avLst>
@@ -16130,8 +16130,8 @@
         </p:nvSpPr>
         <p:spPr>
           <a:xfrm rot="2744400">
-            <a:off x="-349200" y="4539600"/>
-            <a:ext cx="703800" cy="703440"/>
+            <a:off x="-348840" y="4539240"/>
+            <a:ext cx="703440" cy="703080"/>
           </a:xfrm>
           <a:prstGeom prst="roundRect">
             <a:avLst>
@@ -16168,8 +16168,8 @@
         </p:nvSpPr>
         <p:spPr>
           <a:xfrm rot="19228200">
-            <a:off x="5845680" y="-2265840"/>
-            <a:ext cx="4854600" cy="7725600"/>
+            <a:off x="5845680" y="-2265480"/>
+            <a:ext cx="4854240" cy="7725240"/>
           </a:xfrm>
           <a:prstGeom prst="roundRect">
             <a:avLst>
@@ -16207,9 +16207,9 @@
         <p:grpSpPr>
           <a:xfrm>
             <a:off x="4571640" y="828000"/>
-            <a:ext cx="4467600" cy="3563640"/>
+            <a:ext cx="4467240" cy="3563280"/>
             <a:chOff x="4571640" y="828000"/>
-            <a:chExt cx="4467600" cy="3563640"/>
+            <a:chExt cx="4467240" cy="3563280"/>
           </a:xfrm>
         </p:grpSpPr>
         <p:pic>
@@ -16225,7 +16225,7 @@
           <p:spPr>
             <a:xfrm>
               <a:off x="4571640" y="828000"/>
-              <a:ext cx="4467600" cy="3563640"/>
+              <a:ext cx="4467240" cy="3563280"/>
             </a:xfrm>
             <a:prstGeom prst="rect">
               <a:avLst/>
@@ -16243,8 +16243,8 @@
           </p:nvSpPr>
           <p:spPr>
             <a:xfrm rot="16200000">
-              <a:off x="5962680" y="1159560"/>
-              <a:ext cx="1736640" cy="2770560"/>
+              <a:off x="5962680" y="1159920"/>
+              <a:ext cx="1736280" cy="2770200"/>
             </a:xfrm>
             <a:prstGeom prst="roundRect">
               <a:avLst>
@@ -16311,7 +16311,7 @@
         <p:spPr>
           <a:xfrm>
             <a:off x="586440" y="1246680"/>
-            <a:ext cx="4003560" cy="3599280"/>
+            <a:ext cx="4003200" cy="3598920"/>
           </a:xfrm>
           <a:prstGeom prst="rect">
             <a:avLst/>
@@ -16363,7 +16363,7 @@
         <p:spPr>
           <a:xfrm>
             <a:off x="5446080" y="1672200"/>
-            <a:ext cx="2779560" cy="1736640"/>
+            <a:ext cx="2779200" cy="1736280"/>
           </a:xfrm>
           <a:prstGeom prst="rect">
             <a:avLst/>
@@ -16415,7 +16415,7 @@
         <p:spPr>
           <a:xfrm>
             <a:off x="586440" y="453960"/>
-            <a:ext cx="3696120" cy="854640"/>
+            <a:ext cx="3695760" cy="854280"/>
           </a:xfrm>
           <a:prstGeom prst="rect">
             <a:avLst/>
@@ -16504,7 +16504,7 @@
         <p:spPr>
           <a:xfrm>
             <a:off x="4222080" y="1246680"/>
-            <a:ext cx="4114440" cy="3599280"/>
+            <a:ext cx="4114080" cy="3598920"/>
           </a:xfrm>
           <a:prstGeom prst="rect">
             <a:avLst/>
@@ -16555,8 +16555,8 @@
         </p:nvSpPr>
         <p:spPr>
           <a:xfrm rot="16200000">
-            <a:off x="-2181600" y="1734120"/>
-            <a:ext cx="5143320" cy="1683360"/>
+            <a:off x="-2181600" y="1734480"/>
+            <a:ext cx="5142960" cy="1683000"/>
           </a:xfrm>
           <a:prstGeom prst="roundRect">
             <a:avLst>
@@ -16593,8 +16593,8 @@
         </p:nvSpPr>
         <p:spPr>
           <a:xfrm rot="2745000">
-            <a:off x="8575200" y="103320"/>
-            <a:ext cx="1131840" cy="1131480"/>
+            <a:off x="8575200" y="102960"/>
+            <a:ext cx="1131480" cy="1131120"/>
           </a:xfrm>
           <a:prstGeom prst="roundRect">
             <a:avLst>
@@ -16631,8 +16631,8 @@
         </p:nvSpPr>
         <p:spPr>
           <a:xfrm rot="16200000">
-            <a:off x="614880" y="919440"/>
-            <a:ext cx="3231360" cy="3313080"/>
+            <a:off x="614880" y="919800"/>
+            <a:ext cx="3231000" cy="3312720"/>
           </a:xfrm>
           <a:prstGeom prst="roundRect">
             <a:avLst>
@@ -16698,7 +16698,7 @@
         <p:spPr>
           <a:xfrm>
             <a:off x="4214160" y="456120"/>
-            <a:ext cx="4111200" cy="854640"/>
+            <a:ext cx="4110840" cy="854280"/>
           </a:xfrm>
           <a:prstGeom prst="rect">
             <a:avLst/>
@@ -16786,8 +16786,8 @@
         </p:nvSpPr>
         <p:spPr>
           <a:xfrm rot="2744400">
-            <a:off x="-349200" y="4539600"/>
-            <a:ext cx="703800" cy="703440"/>
+            <a:off x="-348840" y="4539240"/>
+            <a:ext cx="703440" cy="703080"/>
           </a:xfrm>
           <a:prstGeom prst="roundRect">
             <a:avLst>
@@ -16824,8 +16824,8 @@
         </p:nvSpPr>
         <p:spPr>
           <a:xfrm rot="19228200">
-            <a:off x="5845680" y="-2265840"/>
-            <a:ext cx="4854600" cy="7725600"/>
+            <a:off x="5845680" y="-2265480"/>
+            <a:ext cx="4854240" cy="7725240"/>
           </a:xfrm>
           <a:prstGeom prst="roundRect">
             <a:avLst>
@@ -16863,9 +16863,9 @@
         <p:grpSpPr>
           <a:xfrm>
             <a:off x="4571640" y="828000"/>
-            <a:ext cx="4467600" cy="3563640"/>
+            <a:ext cx="4467240" cy="3563280"/>
             <a:chOff x="4571640" y="828000"/>
-            <a:chExt cx="4467600" cy="3563640"/>
+            <a:chExt cx="4467240" cy="3563280"/>
           </a:xfrm>
         </p:grpSpPr>
         <p:pic>
@@ -16881,7 +16881,7 @@
           <p:spPr>
             <a:xfrm>
               <a:off x="4571640" y="828000"/>
-              <a:ext cx="4467600" cy="3563640"/>
+              <a:ext cx="4467240" cy="3563280"/>
             </a:xfrm>
             <a:prstGeom prst="rect">
               <a:avLst/>
@@ -16899,8 +16899,8 @@
           </p:nvSpPr>
           <p:spPr>
             <a:xfrm rot="16200000">
-              <a:off x="5962680" y="1159560"/>
-              <a:ext cx="1736640" cy="2770560"/>
+              <a:off x="5962680" y="1159920"/>
+              <a:ext cx="1736280" cy="2770200"/>
             </a:xfrm>
             <a:prstGeom prst="roundRect">
               <a:avLst>
@@ -16967,7 +16967,7 @@
         <p:spPr>
           <a:xfrm>
             <a:off x="586440" y="1246680"/>
-            <a:ext cx="4003560" cy="3599280"/>
+            <a:ext cx="4003200" cy="3598920"/>
           </a:xfrm>
           <a:prstGeom prst="rect">
             <a:avLst/>
@@ -17019,7 +17019,7 @@
         <p:spPr>
           <a:xfrm>
             <a:off x="5446080" y="1672200"/>
-            <a:ext cx="2779560" cy="1736640"/>
+            <a:ext cx="2779200" cy="1736280"/>
           </a:xfrm>
           <a:prstGeom prst="rect">
             <a:avLst/>
@@ -17071,7 +17071,7 @@
         <p:spPr>
           <a:xfrm>
             <a:off x="586440" y="453960"/>
-            <a:ext cx="3696120" cy="854640"/>
+            <a:ext cx="3695760" cy="854280"/>
           </a:xfrm>
           <a:prstGeom prst="rect">
             <a:avLst/>
@@ -17159,8 +17159,8 @@
         </p:nvSpPr>
         <p:spPr>
           <a:xfrm rot="2744400">
-            <a:off x="-280080" y="-25560"/>
-            <a:ext cx="703800" cy="703440"/>
+            <a:off x="-279720" y="-25560"/>
+            <a:ext cx="703440" cy="703080"/>
           </a:xfrm>
           <a:prstGeom prst="roundRect">
             <a:avLst>
@@ -17198,7 +17198,7 @@
         <p:spPr>
           <a:xfrm rot="2332200">
             <a:off x="6009120" y="-319680"/>
-            <a:ext cx="4854960" cy="7725960"/>
+            <a:ext cx="4854600" cy="7725600"/>
           </a:xfrm>
           <a:prstGeom prst="roundRect">
             <a:avLst>
@@ -17236,9 +17236,9 @@
         <p:grpSpPr>
           <a:xfrm>
             <a:off x="4571640" y="828000"/>
-            <a:ext cx="4467600" cy="3563640"/>
+            <a:ext cx="4467240" cy="3563280"/>
             <a:chOff x="4571640" y="828000"/>
-            <a:chExt cx="4467600" cy="3563640"/>
+            <a:chExt cx="4467240" cy="3563280"/>
           </a:xfrm>
         </p:grpSpPr>
         <p:pic>
@@ -17254,7 +17254,7 @@
           <p:spPr>
             <a:xfrm>
               <a:off x="4571640" y="828000"/>
-              <a:ext cx="4467600" cy="3563640"/>
+              <a:ext cx="4467240" cy="3563280"/>
             </a:xfrm>
             <a:prstGeom prst="rect">
               <a:avLst/>
@@ -17272,8 +17272,8 @@
           </p:nvSpPr>
           <p:spPr>
             <a:xfrm rot="16200000">
-              <a:off x="5962680" y="1159560"/>
-              <a:ext cx="1736640" cy="2770560"/>
+              <a:off x="5962680" y="1159920"/>
+              <a:ext cx="1736280" cy="2770200"/>
             </a:xfrm>
             <a:prstGeom prst="roundRect">
               <a:avLst>
@@ -17340,7 +17340,7 @@
         <p:spPr>
           <a:xfrm>
             <a:off x="5446080" y="1672200"/>
-            <a:ext cx="2770200" cy="1736640"/>
+            <a:ext cx="2769840" cy="1736280"/>
           </a:xfrm>
           <a:prstGeom prst="rect">
             <a:avLst/>
@@ -17392,7 +17392,7 @@
         <p:spPr>
           <a:xfrm>
             <a:off x="586440" y="1246680"/>
-            <a:ext cx="4003560" cy="3599280"/>
+            <a:ext cx="4003200" cy="3598920"/>
           </a:xfrm>
           <a:prstGeom prst="rect">
             <a:avLst/>
@@ -17444,7 +17444,7 @@
         <p:spPr>
           <a:xfrm>
             <a:off x="586440" y="453960"/>
-            <a:ext cx="4763520" cy="854640"/>
+            <a:ext cx="4763160" cy="854280"/>
           </a:xfrm>
           <a:prstGeom prst="rect">
             <a:avLst/>
@@ -17532,8 +17532,8 @@
         </p:nvSpPr>
         <p:spPr>
           <a:xfrm rot="2745600">
-            <a:off x="8349840" y="-668160"/>
-            <a:ext cx="1497600" cy="1497600"/>
+            <a:off x="8349840" y="-667800"/>
+            <a:ext cx="1497240" cy="1497240"/>
           </a:xfrm>
           <a:prstGeom prst="roundRect">
             <a:avLst>
@@ -17571,7 +17571,7 @@
         <p:spPr>
           <a:xfrm rot="2745600">
             <a:off x="7634160" y="-322200"/>
-            <a:ext cx="806400" cy="806760"/>
+            <a:ext cx="806040" cy="806400"/>
           </a:xfrm>
           <a:prstGeom prst="roundRect">
             <a:avLst>
@@ -17610,7 +17610,7 @@
         <p:spPr>
           <a:xfrm>
             <a:off x="586440" y="899640"/>
-            <a:ext cx="7931160" cy="1536480"/>
+            <a:ext cx="7930800" cy="1536120"/>
           </a:xfrm>
           <a:prstGeom prst="rect">
             <a:avLst/>
@@ -17662,7 +17662,7 @@
         <p:spPr>
           <a:xfrm>
             <a:off x="608040" y="2545560"/>
-            <a:ext cx="3711600" cy="2255040"/>
+            <a:ext cx="3711240" cy="2254680"/>
           </a:xfrm>
           <a:prstGeom prst="rect">
             <a:avLst/>
@@ -17714,7 +17714,7 @@
         <p:spPr>
           <a:xfrm>
             <a:off x="4806360" y="2545560"/>
-            <a:ext cx="3711600" cy="2255040"/>
+            <a:ext cx="3711240" cy="2254680"/>
           </a:xfrm>
           <a:prstGeom prst="rect">
             <a:avLst/>
@@ -17766,7 +17766,7 @@
         <p:spPr>
           <a:xfrm>
             <a:off x="583200" y="450720"/>
-            <a:ext cx="7197480" cy="511560"/>
+            <a:ext cx="7197120" cy="511200"/>
           </a:xfrm>
           <a:prstGeom prst="rect">
             <a:avLst/>
@@ -17848,7 +17848,7 @@
         <p:spPr>
           <a:xfrm>
             <a:off x="586440" y="1246680"/>
-            <a:ext cx="4003560" cy="3599280"/>
+            <a:ext cx="4003200" cy="3598920"/>
           </a:xfrm>
           <a:prstGeom prst="rect">
             <a:avLst/>
@@ -17900,7 +17900,7 @@
         <p:spPr>
           <a:xfrm>
             <a:off x="559800" y="446040"/>
-            <a:ext cx="4282920" cy="682920"/>
+            <a:ext cx="4282560" cy="682560"/>
           </a:xfrm>
           <a:prstGeom prst="rect">
             <a:avLst/>
@@ -17952,7 +17952,7 @@
         <p:spPr>
           <a:xfrm>
             <a:off x="5097600" y="360"/>
-            <a:ext cx="4379040" cy="5143320"/>
+            <a:ext cx="4378680" cy="5142960"/>
           </a:xfrm>
           <a:prstGeom prst="roundRect">
             <a:avLst>
@@ -18017,8 +18017,8 @@
         </p:nvSpPr>
         <p:spPr>
           <a:xfrm rot="2744400">
-            <a:off x="-280080" y="-25560"/>
-            <a:ext cx="703800" cy="703440"/>
+            <a:off x="-279720" y="-25560"/>
+            <a:ext cx="703440" cy="703080"/>
           </a:xfrm>
           <a:prstGeom prst="roundRect">
             <a:avLst>
@@ -18055,8 +18055,8 @@
         </p:nvSpPr>
         <p:spPr>
           <a:xfrm rot="2625600">
-            <a:off x="4861080" y="4146480"/>
-            <a:ext cx="467640" cy="467640"/>
+            <a:off x="4861080" y="4146120"/>
+            <a:ext cx="467280" cy="467280"/>
           </a:xfrm>
           <a:prstGeom prst="roundRect">
             <a:avLst>
@@ -18130,8 +18130,8 @@
         </p:nvSpPr>
         <p:spPr>
           <a:xfrm rot="2744400">
-            <a:off x="-349200" y="4539600"/>
-            <a:ext cx="703800" cy="703440"/>
+            <a:off x="-348840" y="4539240"/>
+            <a:ext cx="703440" cy="703080"/>
           </a:xfrm>
           <a:prstGeom prst="roundRect">
             <a:avLst>
@@ -18168,8 +18168,8 @@
         </p:nvSpPr>
         <p:spPr>
           <a:xfrm rot="19228200">
-            <a:off x="5845680" y="-2265840"/>
-            <a:ext cx="4854600" cy="7725600"/>
+            <a:off x="5845680" y="-2265480"/>
+            <a:ext cx="4854240" cy="7725240"/>
           </a:xfrm>
           <a:prstGeom prst="roundRect">
             <a:avLst>
@@ -18207,9 +18207,9 @@
         <p:grpSpPr>
           <a:xfrm>
             <a:off x="4571640" y="828000"/>
-            <a:ext cx="4467600" cy="3563640"/>
+            <a:ext cx="4467240" cy="3563280"/>
             <a:chOff x="4571640" y="828000"/>
-            <a:chExt cx="4467600" cy="3563640"/>
+            <a:chExt cx="4467240" cy="3563280"/>
           </a:xfrm>
         </p:grpSpPr>
         <p:pic>
@@ -18225,7 +18225,7 @@
           <p:spPr>
             <a:xfrm>
               <a:off x="4571640" y="828000"/>
-              <a:ext cx="4467600" cy="3563640"/>
+              <a:ext cx="4467240" cy="3563280"/>
             </a:xfrm>
             <a:prstGeom prst="rect">
               <a:avLst/>
@@ -18243,8 +18243,8 @@
           </p:nvSpPr>
           <p:spPr>
             <a:xfrm rot="16200000">
-              <a:off x="5962680" y="1159560"/>
-              <a:ext cx="1736640" cy="2770560"/>
+              <a:off x="5962680" y="1159920"/>
+              <a:ext cx="1736280" cy="2770200"/>
             </a:xfrm>
             <a:prstGeom prst="roundRect">
               <a:avLst>
@@ -18311,7 +18311,7 @@
         <p:spPr>
           <a:xfrm>
             <a:off x="586440" y="1246680"/>
-            <a:ext cx="4003560" cy="3599280"/>
+            <a:ext cx="4003200" cy="3598920"/>
           </a:xfrm>
           <a:prstGeom prst="rect">
             <a:avLst/>
@@ -18363,7 +18363,7 @@
         <p:spPr>
           <a:xfrm>
             <a:off x="5446080" y="1672200"/>
-            <a:ext cx="2779560" cy="1736640"/>
+            <a:ext cx="2779200" cy="1736280"/>
           </a:xfrm>
           <a:prstGeom prst="rect">
             <a:avLst/>
@@ -18415,7 +18415,7 @@
         <p:spPr>
           <a:xfrm>
             <a:off x="586440" y="453960"/>
-            <a:ext cx="3696120" cy="854640"/>
+            <a:ext cx="3695760" cy="854280"/>
           </a:xfrm>
           <a:prstGeom prst="rect">
             <a:avLst/>
@@ -18504,7 +18504,7 @@
         <p:spPr>
           <a:xfrm>
             <a:off x="4222080" y="1246680"/>
-            <a:ext cx="4114440" cy="3599280"/>
+            <a:ext cx="4114080" cy="3598920"/>
           </a:xfrm>
           <a:prstGeom prst="rect">
             <a:avLst/>
@@ -18555,8 +18555,8 @@
         </p:nvSpPr>
         <p:spPr>
           <a:xfrm rot="16200000">
-            <a:off x="-2181600" y="1734120"/>
-            <a:ext cx="5143320" cy="1683360"/>
+            <a:off x="-2181600" y="1734480"/>
+            <a:ext cx="5142960" cy="1683000"/>
           </a:xfrm>
           <a:prstGeom prst="roundRect">
             <a:avLst>
@@ -18593,8 +18593,8 @@
         </p:nvSpPr>
         <p:spPr>
           <a:xfrm rot="2745000">
-            <a:off x="8575200" y="103320"/>
-            <a:ext cx="1131840" cy="1131480"/>
+            <a:off x="8575200" y="102960"/>
+            <a:ext cx="1131480" cy="1131120"/>
           </a:xfrm>
           <a:prstGeom prst="roundRect">
             <a:avLst>
@@ -18631,8 +18631,8 @@
         </p:nvSpPr>
         <p:spPr>
           <a:xfrm rot="16200000">
-            <a:off x="614880" y="919440"/>
-            <a:ext cx="3231360" cy="3313080"/>
+            <a:off x="614880" y="919800"/>
+            <a:ext cx="3231000" cy="3312720"/>
           </a:xfrm>
           <a:prstGeom prst="roundRect">
             <a:avLst>
@@ -18698,7 +18698,7 @@
         <p:spPr>
           <a:xfrm>
             <a:off x="4214160" y="456120"/>
-            <a:ext cx="4111200" cy="854640"/>
+            <a:ext cx="4110840" cy="854280"/>
           </a:xfrm>
           <a:prstGeom prst="rect">
             <a:avLst/>
@@ -18786,8 +18786,8 @@
         </p:nvSpPr>
         <p:spPr>
           <a:xfrm rot="2744400">
-            <a:off x="-280080" y="-25560"/>
-            <a:ext cx="703800" cy="703440"/>
+            <a:off x="-279720" y="-25560"/>
+            <a:ext cx="703440" cy="703080"/>
           </a:xfrm>
           <a:prstGeom prst="roundRect">
             <a:avLst>
@@ -18825,7 +18825,7 @@
         <p:spPr>
           <a:xfrm rot="2332200">
             <a:off x="6009120" y="-319680"/>
-            <a:ext cx="4854960" cy="7725960"/>
+            <a:ext cx="4854600" cy="7725600"/>
           </a:xfrm>
           <a:prstGeom prst="roundRect">
             <a:avLst>
@@ -18863,9 +18863,9 @@
         <p:grpSpPr>
           <a:xfrm>
             <a:off x="4571640" y="828000"/>
-            <a:ext cx="4467600" cy="3563640"/>
+            <a:ext cx="4467240" cy="3563280"/>
             <a:chOff x="4571640" y="828000"/>
-            <a:chExt cx="4467600" cy="3563640"/>
+            <a:chExt cx="4467240" cy="3563280"/>
           </a:xfrm>
         </p:grpSpPr>
         <p:pic>
@@ -18881,7 +18881,7 @@
           <p:spPr>
             <a:xfrm>
               <a:off x="4571640" y="828000"/>
-              <a:ext cx="4467600" cy="3563640"/>
+              <a:ext cx="4467240" cy="3563280"/>
             </a:xfrm>
             <a:prstGeom prst="rect">
               <a:avLst/>
@@ -18899,8 +18899,8 @@
           </p:nvSpPr>
           <p:spPr>
             <a:xfrm rot="16200000">
-              <a:off x="5962680" y="1159560"/>
-              <a:ext cx="1736640" cy="2770560"/>
+              <a:off x="5962680" y="1159920"/>
+              <a:ext cx="1736280" cy="2770200"/>
             </a:xfrm>
             <a:prstGeom prst="roundRect">
               <a:avLst>
@@ -18967,7 +18967,7 @@
         <p:spPr>
           <a:xfrm>
             <a:off x="5446080" y="1672200"/>
-            <a:ext cx="2770200" cy="1736640"/>
+            <a:ext cx="2769840" cy="1736280"/>
           </a:xfrm>
           <a:prstGeom prst="rect">
             <a:avLst/>
@@ -19019,7 +19019,7 @@
         <p:spPr>
           <a:xfrm>
             <a:off x="586440" y="1246680"/>
-            <a:ext cx="4003560" cy="3599280"/>
+            <a:ext cx="4003200" cy="3598920"/>
           </a:xfrm>
           <a:prstGeom prst="rect">
             <a:avLst/>
@@ -19071,7 +19071,7 @@
         <p:spPr>
           <a:xfrm>
             <a:off x="586440" y="453960"/>
-            <a:ext cx="4763520" cy="854640"/>
+            <a:ext cx="4763160" cy="854280"/>
           </a:xfrm>
           <a:prstGeom prst="rect">
             <a:avLst/>
@@ -19159,8 +19159,8 @@
         </p:nvSpPr>
         <p:spPr>
           <a:xfrm rot="2745600">
-            <a:off x="8349840" y="-668160"/>
-            <a:ext cx="1497600" cy="1497600"/>
+            <a:off x="8349840" y="-667800"/>
+            <a:ext cx="1497240" cy="1497240"/>
           </a:xfrm>
           <a:prstGeom prst="roundRect">
             <a:avLst>
@@ -19198,7 +19198,7 @@
         <p:spPr>
           <a:xfrm rot="2745600">
             <a:off x="7634160" y="-322200"/>
-            <a:ext cx="806400" cy="806760"/>
+            <a:ext cx="806040" cy="806400"/>
           </a:xfrm>
           <a:prstGeom prst="roundRect">
             <a:avLst>
@@ -19237,7 +19237,7 @@
         <p:spPr>
           <a:xfrm>
             <a:off x="586440" y="899640"/>
-            <a:ext cx="7931160" cy="1536480"/>
+            <a:ext cx="7930800" cy="1536120"/>
           </a:xfrm>
           <a:prstGeom prst="rect">
             <a:avLst/>
@@ -19289,7 +19289,7 @@
         <p:spPr>
           <a:xfrm>
             <a:off x="608040" y="2545560"/>
-            <a:ext cx="3711600" cy="2255040"/>
+            <a:ext cx="3711240" cy="2254680"/>
           </a:xfrm>
           <a:prstGeom prst="rect">
             <a:avLst/>
@@ -19341,7 +19341,7 @@
         <p:spPr>
           <a:xfrm>
             <a:off x="4806360" y="2545560"/>
-            <a:ext cx="3711600" cy="2255040"/>
+            <a:ext cx="3711240" cy="2254680"/>
           </a:xfrm>
           <a:prstGeom prst="rect">
             <a:avLst/>
@@ -19393,7 +19393,7 @@
         <p:spPr>
           <a:xfrm>
             <a:off x="583200" y="450720"/>
-            <a:ext cx="7197480" cy="511560"/>
+            <a:ext cx="7197120" cy="511200"/>
           </a:xfrm>
           <a:prstGeom prst="rect">
             <a:avLst/>
@@ -19475,7 +19475,7 @@
         <p:spPr>
           <a:xfrm>
             <a:off x="586440" y="1246680"/>
-            <a:ext cx="4003560" cy="3599280"/>
+            <a:ext cx="4003200" cy="3598920"/>
           </a:xfrm>
           <a:prstGeom prst="rect">
             <a:avLst/>
@@ -19527,7 +19527,7 @@
         <p:spPr>
           <a:xfrm>
             <a:off x="559800" y="446040"/>
-            <a:ext cx="4282920" cy="682920"/>
+            <a:ext cx="4282560" cy="682560"/>
           </a:xfrm>
           <a:prstGeom prst="rect">
             <a:avLst/>
@@ -19579,7 +19579,7 @@
         <p:spPr>
           <a:xfrm>
             <a:off x="5097600" y="360"/>
-            <a:ext cx="4379040" cy="5143320"/>
+            <a:ext cx="4378680" cy="5142960"/>
           </a:xfrm>
           <a:prstGeom prst="roundRect">
             <a:avLst>
@@ -19644,8 +19644,8 @@
         </p:nvSpPr>
         <p:spPr>
           <a:xfrm rot="2744400">
-            <a:off x="-280080" y="-25560"/>
-            <a:ext cx="703800" cy="703440"/>
+            <a:off x="-279720" y="-25560"/>
+            <a:ext cx="703440" cy="703080"/>
           </a:xfrm>
           <a:prstGeom prst="roundRect">
             <a:avLst>
@@ -19682,8 +19682,8 @@
         </p:nvSpPr>
         <p:spPr>
           <a:xfrm rot="2625600">
-            <a:off x="4861080" y="4146480"/>
-            <a:ext cx="467640" cy="467640"/>
+            <a:off x="4861080" y="4146120"/>
+            <a:ext cx="467280" cy="467280"/>
           </a:xfrm>
           <a:prstGeom prst="roundRect">
             <a:avLst>
@@ -19757,8 +19757,8 @@
         </p:nvSpPr>
         <p:spPr>
           <a:xfrm rot="2744400">
-            <a:off x="-349200" y="4539600"/>
-            <a:ext cx="703800" cy="703440"/>
+            <a:off x="-348840" y="4539240"/>
+            <a:ext cx="703440" cy="703080"/>
           </a:xfrm>
           <a:prstGeom prst="roundRect">
             <a:avLst>
@@ -19795,8 +19795,8 @@
         </p:nvSpPr>
         <p:spPr>
           <a:xfrm rot="19228200">
-            <a:off x="5845680" y="-2265840"/>
-            <a:ext cx="4854600" cy="7725600"/>
+            <a:off x="5845680" y="-2265480"/>
+            <a:ext cx="4854240" cy="7725240"/>
           </a:xfrm>
           <a:prstGeom prst="roundRect">
             <a:avLst>
@@ -19834,9 +19834,9 @@
         <p:grpSpPr>
           <a:xfrm>
             <a:off x="4571640" y="828000"/>
-            <a:ext cx="4467600" cy="3563640"/>
+            <a:ext cx="4467240" cy="3563280"/>
             <a:chOff x="4571640" y="828000"/>
-            <a:chExt cx="4467600" cy="3563640"/>
+            <a:chExt cx="4467240" cy="3563280"/>
           </a:xfrm>
         </p:grpSpPr>
         <p:pic>
@@ -19852,7 +19852,7 @@
           <p:spPr>
             <a:xfrm>
               <a:off x="4571640" y="828000"/>
-              <a:ext cx="4467600" cy="3563640"/>
+              <a:ext cx="4467240" cy="3563280"/>
             </a:xfrm>
             <a:prstGeom prst="rect">
               <a:avLst/>
@@ -19870,8 +19870,8 @@
           </p:nvSpPr>
           <p:spPr>
             <a:xfrm rot="16200000">
-              <a:off x="5962680" y="1159560"/>
-              <a:ext cx="1736640" cy="2770560"/>
+              <a:off x="5962680" y="1159920"/>
+              <a:ext cx="1736280" cy="2770200"/>
             </a:xfrm>
             <a:prstGeom prst="roundRect">
               <a:avLst>
@@ -19938,7 +19938,7 @@
         <p:spPr>
           <a:xfrm>
             <a:off x="586440" y="1246680"/>
-            <a:ext cx="4003560" cy="3599280"/>
+            <a:ext cx="4003200" cy="3598920"/>
           </a:xfrm>
           <a:prstGeom prst="rect">
             <a:avLst/>
@@ -19990,7 +19990,7 @@
         <p:spPr>
           <a:xfrm>
             <a:off x="5446080" y="1672200"/>
-            <a:ext cx="2779560" cy="1736640"/>
+            <a:ext cx="2779200" cy="1736280"/>
           </a:xfrm>
           <a:prstGeom prst="rect">
             <a:avLst/>
@@ -20042,7 +20042,7 @@
         <p:spPr>
           <a:xfrm>
             <a:off x="586440" y="453960"/>
-            <a:ext cx="3696120" cy="854640"/>
+            <a:ext cx="3695760" cy="854280"/>
           </a:xfrm>
           <a:prstGeom prst="rect">
             <a:avLst/>
@@ -20131,7 +20131,7 @@
         <p:spPr>
           <a:xfrm>
             <a:off x="4222080" y="1246680"/>
-            <a:ext cx="4114440" cy="3599280"/>
+            <a:ext cx="4114080" cy="3598920"/>
           </a:xfrm>
           <a:prstGeom prst="rect">
             <a:avLst/>
@@ -20182,8 +20182,8 @@
         </p:nvSpPr>
         <p:spPr>
           <a:xfrm rot="16200000">
-            <a:off x="-2181600" y="1734120"/>
-            <a:ext cx="5143320" cy="1683360"/>
+            <a:off x="-2181600" y="1734480"/>
+            <a:ext cx="5142960" cy="1683000"/>
           </a:xfrm>
           <a:prstGeom prst="roundRect">
             <a:avLst>
@@ -20220,8 +20220,8 @@
         </p:nvSpPr>
         <p:spPr>
           <a:xfrm rot="2745000">
-            <a:off x="8575200" y="103320"/>
-            <a:ext cx="1131840" cy="1131480"/>
+            <a:off x="8575200" y="102960"/>
+            <a:ext cx="1131480" cy="1131120"/>
           </a:xfrm>
           <a:prstGeom prst="roundRect">
             <a:avLst>
@@ -20258,8 +20258,8 @@
         </p:nvSpPr>
         <p:spPr>
           <a:xfrm rot="16200000">
-            <a:off x="614880" y="919440"/>
-            <a:ext cx="3231360" cy="3313080"/>
+            <a:off x="614880" y="919800"/>
+            <a:ext cx="3231000" cy="3312720"/>
           </a:xfrm>
           <a:prstGeom prst="roundRect">
             <a:avLst>
@@ -20325,7 +20325,7 @@
         <p:spPr>
           <a:xfrm>
             <a:off x="4214160" y="456120"/>
-            <a:ext cx="4111200" cy="854640"/>
+            <a:ext cx="4110840" cy="854280"/>
           </a:xfrm>
           <a:prstGeom prst="rect">
             <a:avLst/>
@@ -20414,7 +20414,7 @@
         <p:spPr>
           <a:xfrm>
             <a:off x="4222080" y="1246680"/>
-            <a:ext cx="4114440" cy="3599280"/>
+            <a:ext cx="4114080" cy="3598920"/>
           </a:xfrm>
           <a:prstGeom prst="rect">
             <a:avLst/>
@@ -20465,8 +20465,8 @@
         </p:nvSpPr>
         <p:spPr>
           <a:xfrm rot="16200000">
-            <a:off x="-2181600" y="1734120"/>
-            <a:ext cx="5143320" cy="1683360"/>
+            <a:off x="-2181600" y="1734480"/>
+            <a:ext cx="5142960" cy="1683000"/>
           </a:xfrm>
           <a:prstGeom prst="roundRect">
             <a:avLst>
@@ -20503,8 +20503,8 @@
         </p:nvSpPr>
         <p:spPr>
           <a:xfrm rot="2745000">
-            <a:off x="8575200" y="103320"/>
-            <a:ext cx="1131840" cy="1131480"/>
+            <a:off x="8575200" y="102960"/>
+            <a:ext cx="1131480" cy="1131120"/>
           </a:xfrm>
           <a:prstGeom prst="roundRect">
             <a:avLst>
@@ -20541,8 +20541,8 @@
         </p:nvSpPr>
         <p:spPr>
           <a:xfrm rot="16200000">
-            <a:off x="614880" y="919440"/>
-            <a:ext cx="3231360" cy="3313080"/>
+            <a:off x="614880" y="919800"/>
+            <a:ext cx="3231000" cy="3312720"/>
           </a:xfrm>
           <a:prstGeom prst="roundRect">
             <a:avLst>
@@ -20608,7 +20608,7 @@
         <p:spPr>
           <a:xfrm>
             <a:off x="4214160" y="456120"/>
-            <a:ext cx="4111200" cy="854640"/>
+            <a:ext cx="4110840" cy="854280"/>
           </a:xfrm>
           <a:prstGeom prst="rect">
             <a:avLst/>
@@ -20696,8 +20696,8 @@
         </p:nvSpPr>
         <p:spPr>
           <a:xfrm rot="2744400">
-            <a:off x="-280080" y="-25560"/>
-            <a:ext cx="703800" cy="703440"/>
+            <a:off x="-279720" y="-25560"/>
+            <a:ext cx="703440" cy="703080"/>
           </a:xfrm>
           <a:prstGeom prst="roundRect">
             <a:avLst>
@@ -20735,7 +20735,7 @@
         <p:spPr>
           <a:xfrm rot="2332200">
             <a:off x="6009120" y="-319680"/>
-            <a:ext cx="4854960" cy="7725960"/>
+            <a:ext cx="4854600" cy="7725600"/>
           </a:xfrm>
           <a:prstGeom prst="roundRect">
             <a:avLst>
@@ -20773,9 +20773,9 @@
         <p:grpSpPr>
           <a:xfrm>
             <a:off x="4571640" y="828000"/>
-            <a:ext cx="4467600" cy="3563640"/>
+            <a:ext cx="4467240" cy="3563280"/>
             <a:chOff x="4571640" y="828000"/>
-            <a:chExt cx="4467600" cy="3563640"/>
+            <a:chExt cx="4467240" cy="3563280"/>
           </a:xfrm>
         </p:grpSpPr>
         <p:pic>
@@ -20791,7 +20791,7 @@
           <p:spPr>
             <a:xfrm>
               <a:off x="4571640" y="828000"/>
-              <a:ext cx="4467600" cy="3563640"/>
+              <a:ext cx="4467240" cy="3563280"/>
             </a:xfrm>
             <a:prstGeom prst="rect">
               <a:avLst/>
@@ -20809,8 +20809,8 @@
           </p:nvSpPr>
           <p:spPr>
             <a:xfrm rot="16200000">
-              <a:off x="5962680" y="1159560"/>
-              <a:ext cx="1736640" cy="2770560"/>
+              <a:off x="5962680" y="1159920"/>
+              <a:ext cx="1736280" cy="2770200"/>
             </a:xfrm>
             <a:prstGeom prst="roundRect">
               <a:avLst>
@@ -20877,7 +20877,7 @@
         <p:spPr>
           <a:xfrm>
             <a:off x="5446080" y="1672200"/>
-            <a:ext cx="2770200" cy="1736640"/>
+            <a:ext cx="2769840" cy="1736280"/>
           </a:xfrm>
           <a:prstGeom prst="rect">
             <a:avLst/>
@@ -20929,7 +20929,7 @@
         <p:spPr>
           <a:xfrm>
             <a:off x="586440" y="1246680"/>
-            <a:ext cx="4003560" cy="3599280"/>
+            <a:ext cx="4003200" cy="3598920"/>
           </a:xfrm>
           <a:prstGeom prst="rect">
             <a:avLst/>
@@ -20981,7 +20981,7 @@
         <p:spPr>
           <a:xfrm>
             <a:off x="586440" y="453960"/>
-            <a:ext cx="4763520" cy="854640"/>
+            <a:ext cx="4763160" cy="854280"/>
           </a:xfrm>
           <a:prstGeom prst="rect">
             <a:avLst/>
@@ -21069,8 +21069,8 @@
         </p:nvSpPr>
         <p:spPr>
           <a:xfrm rot="2745600">
-            <a:off x="8349840" y="-668160"/>
-            <a:ext cx="1497600" cy="1497600"/>
+            <a:off x="8349840" y="-667800"/>
+            <a:ext cx="1497240" cy="1497240"/>
           </a:xfrm>
           <a:prstGeom prst="roundRect">
             <a:avLst>
@@ -21108,7 +21108,7 @@
         <p:spPr>
           <a:xfrm rot="2745600">
             <a:off x="7634160" y="-322200"/>
-            <a:ext cx="806400" cy="806760"/>
+            <a:ext cx="806040" cy="806400"/>
           </a:xfrm>
           <a:prstGeom prst="roundRect">
             <a:avLst>
@@ -21147,7 +21147,7 @@
         <p:spPr>
           <a:xfrm>
             <a:off x="586440" y="899640"/>
-            <a:ext cx="7931160" cy="1536480"/>
+            <a:ext cx="7930800" cy="1536120"/>
           </a:xfrm>
           <a:prstGeom prst="rect">
             <a:avLst/>
@@ -21199,7 +21199,7 @@
         <p:spPr>
           <a:xfrm>
             <a:off x="608040" y="2545560"/>
-            <a:ext cx="3711600" cy="2255040"/>
+            <a:ext cx="3711240" cy="2254680"/>
           </a:xfrm>
           <a:prstGeom prst="rect">
             <a:avLst/>
@@ -21251,7 +21251,7 @@
         <p:spPr>
           <a:xfrm>
             <a:off x="4806360" y="2545560"/>
-            <a:ext cx="3711600" cy="2255040"/>
+            <a:ext cx="3711240" cy="2254680"/>
           </a:xfrm>
           <a:prstGeom prst="rect">
             <a:avLst/>
@@ -21303,7 +21303,7 @@
         <p:spPr>
           <a:xfrm>
             <a:off x="583200" y="450720"/>
-            <a:ext cx="7197480" cy="511560"/>
+            <a:ext cx="7197120" cy="511200"/>
           </a:xfrm>
           <a:prstGeom prst="rect">
             <a:avLst/>
@@ -21385,7 +21385,7 @@
         <p:spPr>
           <a:xfrm>
             <a:off x="586440" y="1246680"/>
-            <a:ext cx="4003560" cy="3599280"/>
+            <a:ext cx="4003200" cy="3598920"/>
           </a:xfrm>
           <a:prstGeom prst="rect">
             <a:avLst/>
@@ -21437,7 +21437,7 @@
         <p:spPr>
           <a:xfrm>
             <a:off x="559800" y="446040"/>
-            <a:ext cx="4282920" cy="682920"/>
+            <a:ext cx="4282560" cy="682560"/>
           </a:xfrm>
           <a:prstGeom prst="rect">
             <a:avLst/>
@@ -21489,7 +21489,7 @@
         <p:spPr>
           <a:xfrm>
             <a:off x="5097600" y="360"/>
-            <a:ext cx="4379040" cy="5143320"/>
+            <a:ext cx="4378680" cy="5142960"/>
           </a:xfrm>
           <a:prstGeom prst="roundRect">
             <a:avLst>
@@ -21554,8 +21554,8 @@
         </p:nvSpPr>
         <p:spPr>
           <a:xfrm rot="2744400">
-            <a:off x="-280080" y="-25560"/>
-            <a:ext cx="703800" cy="703440"/>
+            <a:off x="-279720" y="-25560"/>
+            <a:ext cx="703440" cy="703080"/>
           </a:xfrm>
           <a:prstGeom prst="roundRect">
             <a:avLst>
@@ -21592,8 +21592,8 @@
         </p:nvSpPr>
         <p:spPr>
           <a:xfrm rot="2625600">
-            <a:off x="4861080" y="4146480"/>
-            <a:ext cx="467640" cy="467640"/>
+            <a:off x="4861080" y="4146120"/>
+            <a:ext cx="467280" cy="467280"/>
           </a:xfrm>
           <a:prstGeom prst="roundRect">
             <a:avLst>
@@ -21667,8 +21667,8 @@
         </p:nvSpPr>
         <p:spPr>
           <a:xfrm rot="2744400">
-            <a:off x="-349200" y="4539600"/>
-            <a:ext cx="703800" cy="703440"/>
+            <a:off x="-348840" y="4539240"/>
+            <a:ext cx="703440" cy="703080"/>
           </a:xfrm>
           <a:prstGeom prst="roundRect">
             <a:avLst>
@@ -21705,8 +21705,8 @@
         </p:nvSpPr>
         <p:spPr>
           <a:xfrm rot="19228200">
-            <a:off x="5845680" y="-2265840"/>
-            <a:ext cx="4854600" cy="7725600"/>
+            <a:off x="5845680" y="-2265480"/>
+            <a:ext cx="4854240" cy="7725240"/>
           </a:xfrm>
           <a:prstGeom prst="roundRect">
             <a:avLst>
@@ -21744,9 +21744,9 @@
         <p:grpSpPr>
           <a:xfrm>
             <a:off x="4571640" y="828000"/>
-            <a:ext cx="4467600" cy="3563640"/>
+            <a:ext cx="4467240" cy="3563280"/>
             <a:chOff x="4571640" y="828000"/>
-            <a:chExt cx="4467600" cy="3563640"/>
+            <a:chExt cx="4467240" cy="3563280"/>
           </a:xfrm>
         </p:grpSpPr>
         <p:pic>
@@ -21762,7 +21762,7 @@
           <p:spPr>
             <a:xfrm>
               <a:off x="4571640" y="828000"/>
-              <a:ext cx="4467600" cy="3563640"/>
+              <a:ext cx="4467240" cy="3563280"/>
             </a:xfrm>
             <a:prstGeom prst="rect">
               <a:avLst/>
@@ -21780,8 +21780,8 @@
           </p:nvSpPr>
           <p:spPr>
             <a:xfrm rot="16200000">
-              <a:off x="5962680" y="1159560"/>
-              <a:ext cx="1736640" cy="2770560"/>
+              <a:off x="5962680" y="1159920"/>
+              <a:ext cx="1736280" cy="2770200"/>
             </a:xfrm>
             <a:prstGeom prst="roundRect">
               <a:avLst>
@@ -21848,7 +21848,7 @@
         <p:spPr>
           <a:xfrm>
             <a:off x="586440" y="1246680"/>
-            <a:ext cx="4003560" cy="3599280"/>
+            <a:ext cx="4003200" cy="3598920"/>
           </a:xfrm>
           <a:prstGeom prst="rect">
             <a:avLst/>
@@ -21900,7 +21900,7 @@
         <p:spPr>
           <a:xfrm>
             <a:off x="5446080" y="1672200"/>
-            <a:ext cx="2779560" cy="1736640"/>
+            <a:ext cx="2779200" cy="1736280"/>
           </a:xfrm>
           <a:prstGeom prst="rect">
             <a:avLst/>
@@ -21952,7 +21952,7 @@
         <p:spPr>
           <a:xfrm>
             <a:off x="586440" y="453960"/>
-            <a:ext cx="3696120" cy="854640"/>
+            <a:ext cx="3695760" cy="854280"/>
           </a:xfrm>
           <a:prstGeom prst="rect">
             <a:avLst/>
@@ -22041,7 +22041,7 @@
         <p:spPr>
           <a:xfrm>
             <a:off x="4222080" y="1246680"/>
-            <a:ext cx="4114440" cy="3599280"/>
+            <a:ext cx="4114080" cy="3598920"/>
           </a:xfrm>
           <a:prstGeom prst="rect">
             <a:avLst/>
@@ -22092,8 +22092,8 @@
         </p:nvSpPr>
         <p:spPr>
           <a:xfrm rot="16200000">
-            <a:off x="-2181600" y="1734120"/>
-            <a:ext cx="5143320" cy="1683360"/>
+            <a:off x="-2181600" y="1734480"/>
+            <a:ext cx="5142960" cy="1683000"/>
           </a:xfrm>
           <a:prstGeom prst="roundRect">
             <a:avLst>
@@ -22130,8 +22130,8 @@
         </p:nvSpPr>
         <p:spPr>
           <a:xfrm rot="2745000">
-            <a:off x="8575200" y="103320"/>
-            <a:ext cx="1131840" cy="1131480"/>
+            <a:off x="8575200" y="102960"/>
+            <a:ext cx="1131480" cy="1131120"/>
           </a:xfrm>
           <a:prstGeom prst="roundRect">
             <a:avLst>
@@ -22168,8 +22168,8 @@
         </p:nvSpPr>
         <p:spPr>
           <a:xfrm rot="16200000">
-            <a:off x="614880" y="919440"/>
-            <a:ext cx="3231360" cy="3313080"/>
+            <a:off x="614880" y="919800"/>
+            <a:ext cx="3231000" cy="3312720"/>
           </a:xfrm>
           <a:prstGeom prst="roundRect">
             <a:avLst>
@@ -22235,7 +22235,7 @@
         <p:spPr>
           <a:xfrm>
             <a:off x="4214160" y="456120"/>
-            <a:ext cx="4111200" cy="854640"/>
+            <a:ext cx="4110840" cy="854280"/>
           </a:xfrm>
           <a:prstGeom prst="rect">
             <a:avLst/>
@@ -22323,8 +22323,8 @@
         </p:nvSpPr>
         <p:spPr>
           <a:xfrm rot="2744400">
-            <a:off x="-280080" y="-25560"/>
-            <a:ext cx="703800" cy="703440"/>
+            <a:off x="-279720" y="-25560"/>
+            <a:ext cx="703440" cy="703080"/>
           </a:xfrm>
           <a:prstGeom prst="roundRect">
             <a:avLst>
@@ -22362,7 +22362,7 @@
         <p:spPr>
           <a:xfrm rot="2332200">
             <a:off x="6009120" y="-319680"/>
-            <a:ext cx="4854960" cy="7725960"/>
+            <a:ext cx="4854600" cy="7725600"/>
           </a:xfrm>
           <a:prstGeom prst="roundRect">
             <a:avLst>
@@ -22400,9 +22400,9 @@
         <p:grpSpPr>
           <a:xfrm>
             <a:off x="4571640" y="828000"/>
-            <a:ext cx="4467600" cy="3563640"/>
+            <a:ext cx="4467240" cy="3563280"/>
             <a:chOff x="4571640" y="828000"/>
-            <a:chExt cx="4467600" cy="3563640"/>
+            <a:chExt cx="4467240" cy="3563280"/>
           </a:xfrm>
         </p:grpSpPr>
         <p:pic>
@@ -22418,7 +22418,7 @@
           <p:spPr>
             <a:xfrm>
               <a:off x="4571640" y="828000"/>
-              <a:ext cx="4467600" cy="3563640"/>
+              <a:ext cx="4467240" cy="3563280"/>
             </a:xfrm>
             <a:prstGeom prst="rect">
               <a:avLst/>
@@ -22436,8 +22436,8 @@
           </p:nvSpPr>
           <p:spPr>
             <a:xfrm rot="16200000">
-              <a:off x="5962680" y="1159560"/>
-              <a:ext cx="1736640" cy="2770560"/>
+              <a:off x="5962680" y="1159920"/>
+              <a:ext cx="1736280" cy="2770200"/>
             </a:xfrm>
             <a:prstGeom prst="roundRect">
               <a:avLst>
@@ -22504,7 +22504,7 @@
         <p:spPr>
           <a:xfrm>
             <a:off x="5446080" y="1672200"/>
-            <a:ext cx="2770200" cy="1736640"/>
+            <a:ext cx="2769840" cy="1736280"/>
           </a:xfrm>
           <a:prstGeom prst="rect">
             <a:avLst/>
@@ -22556,7 +22556,7 @@
         <p:spPr>
           <a:xfrm>
             <a:off x="586440" y="1246680"/>
-            <a:ext cx="4003560" cy="3599280"/>
+            <a:ext cx="4003200" cy="3598920"/>
           </a:xfrm>
           <a:prstGeom prst="rect">
             <a:avLst/>
@@ -22608,7 +22608,7 @@
         <p:spPr>
           <a:xfrm>
             <a:off x="586440" y="453960"/>
-            <a:ext cx="4763520" cy="854640"/>
+            <a:ext cx="4763160" cy="854280"/>
           </a:xfrm>
           <a:prstGeom prst="rect">
             <a:avLst/>
@@ -22696,8 +22696,8 @@
         </p:nvSpPr>
         <p:spPr>
           <a:xfrm rot="2744400">
-            <a:off x="-280080" y="-25560"/>
-            <a:ext cx="703800" cy="703440"/>
+            <a:off x="-279720" y="-25560"/>
+            <a:ext cx="703440" cy="703080"/>
           </a:xfrm>
           <a:prstGeom prst="roundRect">
             <a:avLst>
@@ -22735,7 +22735,7 @@
         <p:spPr>
           <a:xfrm>
             <a:off x="569160" y="1888920"/>
-            <a:ext cx="4820400" cy="820800"/>
+            <a:ext cx="4820040" cy="820800"/>
           </a:xfrm>
           <a:prstGeom prst="rect">
             <a:avLst/>
@@ -22786,8 +22786,8 @@
         </p:nvSpPr>
         <p:spPr>
           <a:xfrm rot="18679800">
-            <a:off x="6782040" y="457920"/>
-            <a:ext cx="6249960" cy="4665600"/>
+            <a:off x="6781680" y="457920"/>
+            <a:ext cx="6249600" cy="4665240"/>
           </a:xfrm>
           <a:prstGeom prst="roundRect">
             <a:avLst>
@@ -22824,8 +22824,8 @@
         </p:nvSpPr>
         <p:spPr>
           <a:xfrm rot="2625600">
-            <a:off x="6024960" y="4332600"/>
-            <a:ext cx="467640" cy="467640"/>
+            <a:off x="6024960" y="4332240"/>
+            <a:ext cx="467280" cy="467280"/>
           </a:xfrm>
           <a:prstGeom prst="roundRect">
             <a:avLst>
@@ -22863,7 +22863,7 @@
         <p:spPr>
           <a:xfrm>
             <a:off x="1640880" y="4592880"/>
-            <a:ext cx="2994840" cy="265680"/>
+            <a:ext cx="2994480" cy="265320"/>
           </a:xfrm>
           <a:prstGeom prst="rect">
             <a:avLst/>
@@ -22925,7 +22925,7 @@
         <p:spPr>
           <a:xfrm>
             <a:off x="867240" y="3590280"/>
-            <a:ext cx="252720" cy="253080"/>
+            <a:ext cx="252360" cy="252720"/>
           </a:xfrm>
           <a:prstGeom prst="ellipse">
             <a:avLst/>
@@ -22960,7 +22960,7 @@
         <p:spPr>
           <a:xfrm>
             <a:off x="351000" y="3793320"/>
-            <a:ext cx="1285200" cy="1130760"/>
+            <a:ext cx="1284840" cy="1130400"/>
           </a:xfrm>
           <a:prstGeom prst="rect">
             <a:avLst/>
@@ -23015,8 +23015,8 @@
         </p:nvSpPr>
         <p:spPr>
           <a:xfrm rot="2744400">
-            <a:off x="-280080" y="-25560"/>
-            <a:ext cx="703800" cy="703440"/>
+            <a:off x="-279720" y="-25560"/>
+            <a:ext cx="703440" cy="703080"/>
           </a:xfrm>
           <a:prstGeom prst="roundRect">
             <a:avLst>
@@ -23054,7 +23054,7 @@
         <p:spPr>
           <a:xfrm rot="2332200">
             <a:off x="6009120" y="-319680"/>
-            <a:ext cx="4854960" cy="7725960"/>
+            <a:ext cx="4854600" cy="7725600"/>
           </a:xfrm>
           <a:prstGeom prst="roundRect">
             <a:avLst>
@@ -23092,9 +23092,9 @@
         <p:grpSpPr>
           <a:xfrm>
             <a:off x="4571640" y="828000"/>
-            <a:ext cx="4467600" cy="3563640"/>
+            <a:ext cx="4467240" cy="3563280"/>
             <a:chOff x="4571640" y="828000"/>
-            <a:chExt cx="4467600" cy="3563640"/>
+            <a:chExt cx="4467240" cy="3563280"/>
           </a:xfrm>
         </p:grpSpPr>
         <p:pic>
@@ -23110,7 +23110,7 @@
           <p:spPr>
             <a:xfrm>
               <a:off x="4571640" y="828000"/>
-              <a:ext cx="4467600" cy="3563640"/>
+              <a:ext cx="4467240" cy="3563280"/>
             </a:xfrm>
             <a:prstGeom prst="rect">
               <a:avLst/>
@@ -23128,8 +23128,8 @@
           </p:nvSpPr>
           <p:spPr>
             <a:xfrm rot="16200000">
-              <a:off x="5962680" y="1159560"/>
-              <a:ext cx="1736640" cy="2770560"/>
+              <a:off x="5962680" y="1159920"/>
+              <a:ext cx="1736280" cy="2770200"/>
             </a:xfrm>
             <a:prstGeom prst="roundRect">
               <a:avLst>
@@ -23196,7 +23196,7 @@
         <p:spPr>
           <a:xfrm>
             <a:off x="5446080" y="1672200"/>
-            <a:ext cx="2770200" cy="1736640"/>
+            <a:ext cx="2769840" cy="1736280"/>
           </a:xfrm>
           <a:prstGeom prst="rect">
             <a:avLst/>
@@ -23248,7 +23248,7 @@
         <p:spPr>
           <a:xfrm>
             <a:off x="586440" y="1246680"/>
-            <a:ext cx="4003560" cy="3599280"/>
+            <a:ext cx="4003200" cy="3598920"/>
           </a:xfrm>
           <a:prstGeom prst="rect">
             <a:avLst/>
@@ -23300,7 +23300,7 @@
         <p:spPr>
           <a:xfrm>
             <a:off x="586440" y="453960"/>
-            <a:ext cx="4763520" cy="854640"/>
+            <a:ext cx="4763160" cy="854280"/>
           </a:xfrm>
           <a:prstGeom prst="rect">
             <a:avLst/>
@@ -23388,8 +23388,8 @@
         </p:nvSpPr>
         <p:spPr>
           <a:xfrm rot="2745600">
-            <a:off x="8349840" y="-668160"/>
-            <a:ext cx="1497600" cy="1497600"/>
+            <a:off x="8349840" y="-667800"/>
+            <a:ext cx="1497240" cy="1497240"/>
           </a:xfrm>
           <a:prstGeom prst="roundRect">
             <a:avLst>
@@ -23427,7 +23427,7 @@
         <p:spPr>
           <a:xfrm rot="2745600">
             <a:off x="7634160" y="-322200"/>
-            <a:ext cx="806400" cy="806760"/>
+            <a:ext cx="806040" cy="806400"/>
           </a:xfrm>
           <a:prstGeom prst="roundRect">
             <a:avLst>
@@ -23466,7 +23466,7 @@
         <p:spPr>
           <a:xfrm>
             <a:off x="586440" y="899640"/>
-            <a:ext cx="7931160" cy="1536480"/>
+            <a:ext cx="7930800" cy="1536120"/>
           </a:xfrm>
           <a:prstGeom prst="rect">
             <a:avLst/>
@@ -23518,7 +23518,7 @@
         <p:spPr>
           <a:xfrm>
             <a:off x="608040" y="2545560"/>
-            <a:ext cx="3711600" cy="2255040"/>
+            <a:ext cx="3711240" cy="2254680"/>
           </a:xfrm>
           <a:prstGeom prst="rect">
             <a:avLst/>
@@ -23570,7 +23570,7 @@
         <p:spPr>
           <a:xfrm>
             <a:off x="4806360" y="2545560"/>
-            <a:ext cx="3711600" cy="2255040"/>
+            <a:ext cx="3711240" cy="2254680"/>
           </a:xfrm>
           <a:prstGeom prst="rect">
             <a:avLst/>
@@ -23622,7 +23622,7 @@
         <p:spPr>
           <a:xfrm>
             <a:off x="583200" y="450720"/>
-            <a:ext cx="7197480" cy="511560"/>
+            <a:ext cx="7197120" cy="511200"/>
           </a:xfrm>
           <a:prstGeom prst="rect">
             <a:avLst/>
@@ -23704,7 +23704,7 @@
         <p:spPr>
           <a:xfrm>
             <a:off x="586440" y="1246680"/>
-            <a:ext cx="4003560" cy="3599280"/>
+            <a:ext cx="4003200" cy="3598920"/>
           </a:xfrm>
           <a:prstGeom prst="rect">
             <a:avLst/>
@@ -23756,7 +23756,7 @@
         <p:spPr>
           <a:xfrm>
             <a:off x="559800" y="446040"/>
-            <a:ext cx="4282920" cy="682920"/>
+            <a:ext cx="4282560" cy="682560"/>
           </a:xfrm>
           <a:prstGeom prst="rect">
             <a:avLst/>
@@ -23808,7 +23808,7 @@
         <p:spPr>
           <a:xfrm>
             <a:off x="5097600" y="360"/>
-            <a:ext cx="4379040" cy="5143320"/>
+            <a:ext cx="4378680" cy="5142960"/>
           </a:xfrm>
           <a:prstGeom prst="roundRect">
             <a:avLst>
@@ -23873,8 +23873,8 @@
         </p:nvSpPr>
         <p:spPr>
           <a:xfrm rot="2744400">
-            <a:off x="-280080" y="-25560"/>
-            <a:ext cx="703800" cy="703440"/>
+            <a:off x="-279720" y="-25560"/>
+            <a:ext cx="703440" cy="703080"/>
           </a:xfrm>
           <a:prstGeom prst="roundRect">
             <a:avLst>
@@ -23911,8 +23911,8 @@
         </p:nvSpPr>
         <p:spPr>
           <a:xfrm rot="2625600">
-            <a:off x="4861080" y="4146480"/>
-            <a:ext cx="467640" cy="467640"/>
+            <a:off x="4861080" y="4146120"/>
+            <a:ext cx="467280" cy="467280"/>
           </a:xfrm>
           <a:prstGeom prst="roundRect">
             <a:avLst>
@@ -23986,8 +23986,8 @@
         </p:nvSpPr>
         <p:spPr>
           <a:xfrm rot="2744400">
-            <a:off x="-349200" y="4539600"/>
-            <a:ext cx="703800" cy="703440"/>
+            <a:off x="-348840" y="4539240"/>
+            <a:ext cx="703440" cy="703080"/>
           </a:xfrm>
           <a:prstGeom prst="roundRect">
             <a:avLst>
@@ -24024,8 +24024,8 @@
         </p:nvSpPr>
         <p:spPr>
           <a:xfrm rot="19228200">
-            <a:off x="5845680" y="-2265840"/>
-            <a:ext cx="4854600" cy="7725600"/>
+            <a:off x="5845680" y="-2265480"/>
+            <a:ext cx="4854240" cy="7725240"/>
           </a:xfrm>
           <a:prstGeom prst="roundRect">
             <a:avLst>
@@ -24063,9 +24063,9 @@
         <p:grpSpPr>
           <a:xfrm>
             <a:off x="4571640" y="828000"/>
-            <a:ext cx="4467600" cy="3563640"/>
+            <a:ext cx="4467240" cy="3563280"/>
             <a:chOff x="4571640" y="828000"/>
-            <a:chExt cx="4467600" cy="3563640"/>
+            <a:chExt cx="4467240" cy="3563280"/>
           </a:xfrm>
         </p:grpSpPr>
         <p:pic>
@@ -24081,7 +24081,7 @@
           <p:spPr>
             <a:xfrm>
               <a:off x="4571640" y="828000"/>
-              <a:ext cx="4467600" cy="3563640"/>
+              <a:ext cx="4467240" cy="3563280"/>
             </a:xfrm>
             <a:prstGeom prst="rect">
               <a:avLst/>
@@ -24099,8 +24099,8 @@
           </p:nvSpPr>
           <p:spPr>
             <a:xfrm rot="16200000">
-              <a:off x="5962680" y="1159560"/>
-              <a:ext cx="1736640" cy="2770560"/>
+              <a:off x="5962680" y="1159920"/>
+              <a:ext cx="1736280" cy="2770200"/>
             </a:xfrm>
             <a:prstGeom prst="roundRect">
               <a:avLst>
@@ -24167,7 +24167,7 @@
         <p:spPr>
           <a:xfrm>
             <a:off x="586440" y="1246680"/>
-            <a:ext cx="4003560" cy="3599280"/>
+            <a:ext cx="4003200" cy="3598920"/>
           </a:xfrm>
           <a:prstGeom prst="rect">
             <a:avLst/>
@@ -24219,7 +24219,7 @@
         <p:spPr>
           <a:xfrm>
             <a:off x="5446080" y="1672200"/>
-            <a:ext cx="2779560" cy="1736640"/>
+            <a:ext cx="2779200" cy="1736280"/>
           </a:xfrm>
           <a:prstGeom prst="rect">
             <a:avLst/>
@@ -24271,7 +24271,7 @@
         <p:spPr>
           <a:xfrm>
             <a:off x="586440" y="453960"/>
-            <a:ext cx="3696120" cy="854640"/>
+            <a:ext cx="3695760" cy="854280"/>
           </a:xfrm>
           <a:prstGeom prst="rect">
             <a:avLst/>
@@ -24360,7 +24360,7 @@
         <p:spPr>
           <a:xfrm>
             <a:off x="4222080" y="1246680"/>
-            <a:ext cx="4114440" cy="3599280"/>
+            <a:ext cx="4114080" cy="3598920"/>
           </a:xfrm>
           <a:prstGeom prst="rect">
             <a:avLst/>
@@ -24411,8 +24411,8 @@
         </p:nvSpPr>
         <p:spPr>
           <a:xfrm rot="16200000">
-            <a:off x="-2181600" y="1734120"/>
-            <a:ext cx="5143320" cy="1683360"/>
+            <a:off x="-2181600" y="1734480"/>
+            <a:ext cx="5142960" cy="1683000"/>
           </a:xfrm>
           <a:prstGeom prst="roundRect">
             <a:avLst>
@@ -24449,8 +24449,8 @@
         </p:nvSpPr>
         <p:spPr>
           <a:xfrm rot="2745000">
-            <a:off x="8575200" y="103320"/>
-            <a:ext cx="1131840" cy="1131480"/>
+            <a:off x="8575200" y="102960"/>
+            <a:ext cx="1131480" cy="1131120"/>
           </a:xfrm>
           <a:prstGeom prst="roundRect">
             <a:avLst>
@@ -24487,8 +24487,8 @@
         </p:nvSpPr>
         <p:spPr>
           <a:xfrm rot="16200000">
-            <a:off x="614880" y="919440"/>
-            <a:ext cx="3231360" cy="3313080"/>
+            <a:off x="614880" y="919800"/>
+            <a:ext cx="3231000" cy="3312720"/>
           </a:xfrm>
           <a:prstGeom prst="roundRect">
             <a:avLst>
@@ -24554,7 +24554,7 @@
         <p:spPr>
           <a:xfrm>
             <a:off x="4214160" y="456120"/>
-            <a:ext cx="4111200" cy="854640"/>
+            <a:ext cx="4110840" cy="854280"/>
           </a:xfrm>
           <a:prstGeom prst="rect">
             <a:avLst/>
